--- a/graph/code_review.pptx
+++ b/graph/code_review.pptx
@@ -1,29 +1,26 @@
 
 <file path=ppt/presentation.xml><?xml version="1.0" encoding="utf-8"?>
-<p:presentation xmlns:a="http://schemas.openxmlformats.org/drawingml/2006/main" xmlns:r="http://schemas.openxmlformats.org/officeDocument/2006/relationships" xmlns:p="http://schemas.openxmlformats.org/presentationml/2006/main" saveSubsetFonts="1">
+<p:presentation xmlns:a="http://schemas.openxmlformats.org/drawingml/2006/main" xmlns:r="http://schemas.openxmlformats.org/officeDocument/2006/relationships" xmlns:p="http://schemas.openxmlformats.org/presentationml/2006/main">
   <p:sldMasterIdLst>
     <p:sldMasterId id="2147483648" r:id="rId1"/>
   </p:sldMasterIdLst>
   <p:notesMasterIdLst>
-    <p:notesMasterId r:id="rId12"/>
+    <p:notesMasterId r:id="rId4"/>
   </p:notesMasterIdLst>
   <p:sldIdLst>
-    <p:sldId id="257" r:id="rId2"/>
-    <p:sldId id="259" r:id="rId3"/>
-    <p:sldId id="267" r:id="rId4"/>
-    <p:sldId id="270" r:id="rId5"/>
-    <p:sldId id="273" r:id="rId6"/>
-    <p:sldId id="289" r:id="rId7"/>
-    <p:sldId id="290" r:id="rId8"/>
-    <p:sldId id="291" r:id="rId9"/>
-    <p:sldId id="292" r:id="rId10"/>
-    <p:sldId id="285" r:id="rId11"/>
+    <p:sldId id="257" r:id="rId3"/>
+    <p:sldId id="259" r:id="rId5"/>
+    <p:sldId id="267" r:id="rId6"/>
+    <p:sldId id="270" r:id="rId7"/>
+    <p:sldId id="273" r:id="rId8"/>
+    <p:sldId id="289" r:id="rId9"/>
+    <p:sldId id="290" r:id="rId10"/>
+    <p:sldId id="291" r:id="rId11"/>
+    <p:sldId id="292" r:id="rId12"/>
+    <p:sldId id="285" r:id="rId13"/>
   </p:sldIdLst>
   <p:sldSz cx="12192000" cy="6858000"/>
   <p:notesSz cx="6858000" cy="9144000"/>
-  <p:custDataLst>
-    <p:tags r:id="rId13"/>
-  </p:custDataLst>
   <p:defaultTextStyle>
     <a:defPPr>
       <a:defRPr lang="zh-CN"/>
@@ -119,27 +116,7 @@
       </a:defRPr>
     </a:lvl9pPr>
   </p:defaultTextStyle>
-  <p:extLst>
-    <p:ext uri="{EFAFB233-063F-42B5-8137-9DF3F51BA10A}">
-      <p15:sldGuideLst xmlns:p15="http://schemas.microsoft.com/office/powerpoint/2012/main">
-        <p15:guide id="1" orient="horz" pos="2160">
-          <p15:clr>
-            <a:srgbClr val="A4A3A4"/>
-          </p15:clr>
-        </p15:guide>
-        <p15:guide id="2" pos="3840">
-          <p15:clr>
-            <a:srgbClr val="A4A3A4"/>
-          </p15:clr>
-        </p15:guide>
-      </p15:sldGuideLst>
-    </p:ext>
-  </p:extLst>
 </p:presentation>
-</file>
-
-<file path=ppt/revisionInfo.xml><?xml version="1.0" encoding="utf-8"?>
-<p1510:revInfo xmlns:a="http://schemas.openxmlformats.org/drawingml/2006/main" xmlns:r="http://schemas.openxmlformats.org/officeDocument/2006/relationships" xmlns:p1510="http://schemas.microsoft.com/office/powerpoint/2015/10/main"/>
 </file>
 
 <file path=ppt/notesMasters/notesMaster1.xml><?xml version="1.0" encoding="utf-8"?>
@@ -224,7 +201,6 @@
           <a:p>
             <a:fld id="{F865DBC6-38D0-498A-8F0B-8BC9AF8263A6}" type="datetimeFigureOut">
               <a:rPr lang="zh-CN" altLang="en-US" smtClean="0"/>
-              <a:t>2017/10/18</a:t>
             </a:fld>
             <a:endParaRPr lang="zh-CN" altLang="en-US"/>
           </a:p>
@@ -291,6 +267,7 @@
               <a:rPr lang="zh-CN" altLang="en-US"/>
               <a:t>单击此处编辑母版文本样式</a:t>
             </a:r>
+            <a:endParaRPr lang="zh-CN" altLang="en-US"/>
           </a:p>
           <a:p>
             <a:pPr lvl="1"/>
@@ -298,6 +275,7 @@
               <a:rPr lang="zh-CN" altLang="en-US"/>
               <a:t>第二级</a:t>
             </a:r>
+            <a:endParaRPr lang="zh-CN" altLang="en-US"/>
           </a:p>
           <a:p>
             <a:pPr lvl="2"/>
@@ -305,6 +283,7 @@
               <a:rPr lang="zh-CN" altLang="en-US"/>
               <a:t>第三级</a:t>
             </a:r>
+            <a:endParaRPr lang="zh-CN" altLang="en-US"/>
           </a:p>
           <a:p>
             <a:pPr lvl="3"/>
@@ -312,6 +291,7 @@
               <a:rPr lang="zh-CN" altLang="en-US"/>
               <a:t>第四级</a:t>
             </a:r>
+            <a:endParaRPr lang="zh-CN" altLang="en-US"/>
           </a:p>
           <a:p>
             <a:pPr lvl="4"/>
@@ -319,6 +299,7 @@
               <a:rPr lang="zh-CN" altLang="en-US"/>
               <a:t>第五级</a:t>
             </a:r>
+            <a:endParaRPr lang="zh-CN" altLang="en-US"/>
           </a:p>
         </p:txBody>
       </p:sp>
@@ -382,18 +363,12 @@
           <a:p>
             <a:fld id="{E44DF715-C661-4A4B-BB5A-CE67FF753190}" type="slidenum">
               <a:rPr lang="zh-CN" altLang="en-US" smtClean="0"/>
-              <a:t>‹#›</a:t>
             </a:fld>
             <a:endParaRPr lang="zh-CN" altLang="en-US"/>
           </a:p>
         </p:txBody>
       </p:sp>
     </p:spTree>
-    <p:extLst>
-      <p:ext uri="{BB962C8B-B14F-4D97-AF65-F5344CB8AC3E}">
-        <p14:creationId xmlns:p14="http://schemas.microsoft.com/office/powerpoint/2010/main" val="2281587588"/>
-      </p:ext>
-    </p:extLst>
   </p:cSld>
   <p:clrMap bg1="lt1" tx1="dk1" bg2="lt2" tx2="dk2" accent1="accent1" accent2="accent2" accent3="accent3" accent4="accent4" accent5="accent5" accent6="accent6" hlink="hlink" folHlink="folHlink"/>
   <p:notesStyle>
@@ -556,18 +531,12 @@
           <a:p>
             <a:fld id="{E44DF715-C661-4A4B-BB5A-CE67FF753190}" type="slidenum">
               <a:rPr lang="zh-CN" altLang="en-US" smtClean="0"/>
-              <a:t>1</a:t>
             </a:fld>
             <a:endParaRPr lang="zh-CN" altLang="en-US"/>
           </a:p>
         </p:txBody>
       </p:sp>
     </p:spTree>
-    <p:extLst>
-      <p:ext uri="{BB962C8B-B14F-4D97-AF65-F5344CB8AC3E}">
-        <p14:creationId xmlns:p14="http://schemas.microsoft.com/office/powerpoint/2010/main" val="249581773"/>
-      </p:ext>
-    </p:extLst>
   </p:cSld>
   <p:clrMapOvr>
     <a:masterClrMapping/>
@@ -644,8 +613,6 @@
                   <a:prstClr val="black"/>
                 </a:solidFill>
               </a:rPr>
-              <a:pPr/>
-              <a:t>10</a:t>
             </a:fld>
             <a:endParaRPr lang="zh-CN" altLang="en-US">
               <a:solidFill>
@@ -656,11 +623,6 @@
         </p:txBody>
       </p:sp>
     </p:spTree>
-    <p:extLst>
-      <p:ext uri="{BB962C8B-B14F-4D97-AF65-F5344CB8AC3E}">
-        <p14:creationId xmlns:p14="http://schemas.microsoft.com/office/powerpoint/2010/main" val="3249454862"/>
-      </p:ext>
-    </p:extLst>
   </p:cSld>
   <p:clrMapOvr>
     <a:masterClrMapping/>
@@ -733,18 +695,12 @@
           <a:p>
             <a:fld id="{E44DF715-C661-4A4B-BB5A-CE67FF753190}" type="slidenum">
               <a:rPr lang="zh-CN" altLang="en-US" smtClean="0"/>
-              <a:t>2</a:t>
             </a:fld>
             <a:endParaRPr lang="zh-CN" altLang="en-US"/>
           </a:p>
         </p:txBody>
       </p:sp>
     </p:spTree>
-    <p:extLst>
-      <p:ext uri="{BB962C8B-B14F-4D97-AF65-F5344CB8AC3E}">
-        <p14:creationId xmlns:p14="http://schemas.microsoft.com/office/powerpoint/2010/main" val="862290890"/>
-      </p:ext>
-    </p:extLst>
   </p:cSld>
   <p:clrMapOvr>
     <a:masterClrMapping/>
@@ -821,8 +777,6 @@
                   <a:prstClr val="black"/>
                 </a:solidFill>
               </a:rPr>
-              <a:pPr/>
-              <a:t>3</a:t>
             </a:fld>
             <a:endParaRPr lang="zh-CN" altLang="en-US">
               <a:solidFill>
@@ -833,11 +787,6 @@
         </p:txBody>
       </p:sp>
     </p:spTree>
-    <p:extLst>
-      <p:ext uri="{BB962C8B-B14F-4D97-AF65-F5344CB8AC3E}">
-        <p14:creationId xmlns:p14="http://schemas.microsoft.com/office/powerpoint/2010/main" val="414595324"/>
-      </p:ext>
-    </p:extLst>
   </p:cSld>
   <p:clrMapOvr>
     <a:masterClrMapping/>
@@ -914,8 +863,6 @@
                   <a:prstClr val="black"/>
                 </a:solidFill>
               </a:rPr>
-              <a:pPr/>
-              <a:t>4</a:t>
             </a:fld>
             <a:endParaRPr lang="zh-CN" altLang="en-US">
               <a:solidFill>
@@ -926,11 +873,6 @@
         </p:txBody>
       </p:sp>
     </p:spTree>
-    <p:extLst>
-      <p:ext uri="{BB962C8B-B14F-4D97-AF65-F5344CB8AC3E}">
-        <p14:creationId xmlns:p14="http://schemas.microsoft.com/office/powerpoint/2010/main" val="1824066370"/>
-      </p:ext>
-    </p:extLst>
   </p:cSld>
   <p:clrMapOvr>
     <a:masterClrMapping/>
@@ -1007,8 +949,6 @@
                   <a:prstClr val="black"/>
                 </a:solidFill>
               </a:rPr>
-              <a:pPr/>
-              <a:t>5</a:t>
             </a:fld>
             <a:endParaRPr lang="zh-CN" altLang="en-US">
               <a:solidFill>
@@ -1019,11 +959,6 @@
         </p:txBody>
       </p:sp>
     </p:spTree>
-    <p:extLst>
-      <p:ext uri="{BB962C8B-B14F-4D97-AF65-F5344CB8AC3E}">
-        <p14:creationId xmlns:p14="http://schemas.microsoft.com/office/powerpoint/2010/main" val="1299504946"/>
-      </p:ext>
-    </p:extLst>
   </p:cSld>
   <p:clrMapOvr>
     <a:masterClrMapping/>
@@ -1100,8 +1035,6 @@
                   <a:prstClr val="black"/>
                 </a:solidFill>
               </a:rPr>
-              <a:pPr/>
-              <a:t>6</a:t>
             </a:fld>
             <a:endParaRPr lang="zh-CN" altLang="en-US">
               <a:solidFill>
@@ -1112,11 +1045,6 @@
         </p:txBody>
       </p:sp>
     </p:spTree>
-    <p:extLst>
-      <p:ext uri="{BB962C8B-B14F-4D97-AF65-F5344CB8AC3E}">
-        <p14:creationId xmlns:p14="http://schemas.microsoft.com/office/powerpoint/2010/main" val="2578094885"/>
-      </p:ext>
-    </p:extLst>
   </p:cSld>
   <p:clrMapOvr>
     <a:masterClrMapping/>
@@ -1193,8 +1121,6 @@
                   <a:prstClr val="black"/>
                 </a:solidFill>
               </a:rPr>
-              <a:pPr/>
-              <a:t>7</a:t>
             </a:fld>
             <a:endParaRPr lang="zh-CN" altLang="en-US">
               <a:solidFill>
@@ -1205,11 +1131,6 @@
         </p:txBody>
       </p:sp>
     </p:spTree>
-    <p:extLst>
-      <p:ext uri="{BB962C8B-B14F-4D97-AF65-F5344CB8AC3E}">
-        <p14:creationId xmlns:p14="http://schemas.microsoft.com/office/powerpoint/2010/main" val="3311680372"/>
-      </p:ext>
-    </p:extLst>
   </p:cSld>
   <p:clrMapOvr>
     <a:masterClrMapping/>
@@ -1286,8 +1207,6 @@
                   <a:prstClr val="black"/>
                 </a:solidFill>
               </a:rPr>
-              <a:pPr/>
-              <a:t>8</a:t>
             </a:fld>
             <a:endParaRPr lang="zh-CN" altLang="en-US">
               <a:solidFill>
@@ -1298,11 +1217,6 @@
         </p:txBody>
       </p:sp>
     </p:spTree>
-    <p:extLst>
-      <p:ext uri="{BB962C8B-B14F-4D97-AF65-F5344CB8AC3E}">
-        <p14:creationId xmlns:p14="http://schemas.microsoft.com/office/powerpoint/2010/main" val="719984368"/>
-      </p:ext>
-    </p:extLst>
   </p:cSld>
   <p:clrMapOvr>
     <a:masterClrMapping/>
@@ -1379,8 +1293,6 @@
                   <a:prstClr val="black"/>
                 </a:solidFill>
               </a:rPr>
-              <a:pPr/>
-              <a:t>9</a:t>
             </a:fld>
             <a:endParaRPr lang="zh-CN" altLang="en-US">
               <a:solidFill>
@@ -1391,11 +1303,6 @@
         </p:txBody>
       </p:sp>
     </p:spTree>
-    <p:extLst>
-      <p:ext uri="{BB962C8B-B14F-4D97-AF65-F5344CB8AC3E}">
-        <p14:creationId xmlns:p14="http://schemas.microsoft.com/office/powerpoint/2010/main" val="3376472149"/>
-      </p:ext>
-    </p:extLst>
   </p:cSld>
   <p:clrMapOvr>
     <a:masterClrMapping/>
@@ -1448,6 +1355,7 @@
               <a:rPr lang="zh-CN" altLang="en-US"/>
               <a:t>单击此处编辑母版标题样式</a:t>
             </a:r>
+            <a:endParaRPr lang="zh-CN" altLang="en-US"/>
           </a:p>
         </p:txBody>
       </p:sp>
@@ -1512,6 +1420,7 @@
               <a:rPr lang="zh-CN" altLang="en-US"/>
               <a:t>单击此处编辑母版副标题样式</a:t>
             </a:r>
+            <a:endParaRPr lang="zh-CN" altLang="en-US"/>
           </a:p>
         </p:txBody>
       </p:sp>
@@ -1532,7 +1441,6 @@
           <a:p>
             <a:fld id="{AC2D831D-0604-41F7-A337-F1AC1257C2FF}" type="datetimeFigureOut">
               <a:rPr lang="zh-CN" altLang="en-US" smtClean="0"/>
-              <a:t>2017/10/18</a:t>
             </a:fld>
             <a:endParaRPr lang="zh-CN" altLang="en-US"/>
           </a:p>
@@ -1574,29 +1482,23 @@
           <a:p>
             <a:fld id="{4FE4AC72-BA51-437E-8D85-A7DD916C4313}" type="slidenum">
               <a:rPr lang="zh-CN" altLang="en-US" smtClean="0"/>
-              <a:t>‹#›</a:t>
             </a:fld>
             <a:endParaRPr lang="zh-CN" altLang="en-US"/>
           </a:p>
         </p:txBody>
       </p:sp>
     </p:spTree>
-    <p:extLst>
-      <p:ext uri="{BB962C8B-B14F-4D97-AF65-F5344CB8AC3E}">
-        <p14:creationId xmlns:p14="http://schemas.microsoft.com/office/powerpoint/2010/main" val="2320375892"/>
-      </p:ext>
-    </p:extLst>
   </p:cSld>
   <p:clrMapOvr>
     <a:masterClrMapping/>
   </p:clrMapOvr>
-  <mc:AlternateContent xmlns:mc="http://schemas.openxmlformats.org/markup-compatibility/2006" xmlns:p14="http://schemas.microsoft.com/office/powerpoint/2010/main">
-    <mc:Choice Requires="p14">
+  <mc:AlternateContent xmlns:mc="http://schemas.openxmlformats.org/markup-compatibility/2006">
+    <mc:Choice xmlns:p14="http://schemas.microsoft.com/office/powerpoint/2010/main" Requires="p14">
       <p:transition spd="slow" p14:dur="1600">
         <p14:conveyor dir="l"/>
       </p:transition>
     </mc:Choice>
-    <mc:Fallback xmlns="">
+    <mc:Fallback>
       <p:transition spd="slow">
         <p:fade/>
       </p:transition>
@@ -1641,6 +1543,7 @@
               <a:rPr lang="zh-CN" altLang="en-US"/>
               <a:t>单击此处编辑母版标题样式</a:t>
             </a:r>
+            <a:endParaRPr lang="zh-CN" altLang="en-US"/>
           </a:p>
         </p:txBody>
       </p:sp>
@@ -1664,6 +1567,7 @@
               <a:rPr lang="zh-CN" altLang="en-US"/>
               <a:t>单击此处编辑母版文本样式</a:t>
             </a:r>
+            <a:endParaRPr lang="zh-CN" altLang="en-US"/>
           </a:p>
           <a:p>
             <a:pPr lvl="1"/>
@@ -1671,6 +1575,7 @@
               <a:rPr lang="zh-CN" altLang="en-US"/>
               <a:t>第二级</a:t>
             </a:r>
+            <a:endParaRPr lang="zh-CN" altLang="en-US"/>
           </a:p>
           <a:p>
             <a:pPr lvl="2"/>
@@ -1678,6 +1583,7 @@
               <a:rPr lang="zh-CN" altLang="en-US"/>
               <a:t>第三级</a:t>
             </a:r>
+            <a:endParaRPr lang="zh-CN" altLang="en-US"/>
           </a:p>
           <a:p>
             <a:pPr lvl="3"/>
@@ -1685,6 +1591,7 @@
               <a:rPr lang="zh-CN" altLang="en-US"/>
               <a:t>第四级</a:t>
             </a:r>
+            <a:endParaRPr lang="zh-CN" altLang="en-US"/>
           </a:p>
           <a:p>
             <a:pPr lvl="4"/>
@@ -1692,6 +1599,7 @@
               <a:rPr lang="zh-CN" altLang="en-US"/>
               <a:t>第五级</a:t>
             </a:r>
+            <a:endParaRPr lang="zh-CN" altLang="en-US"/>
           </a:p>
         </p:txBody>
       </p:sp>
@@ -1712,7 +1620,6 @@
           <a:p>
             <a:fld id="{AC2D831D-0604-41F7-A337-F1AC1257C2FF}" type="datetimeFigureOut">
               <a:rPr lang="zh-CN" altLang="en-US" smtClean="0"/>
-              <a:t>2017/10/18</a:t>
             </a:fld>
             <a:endParaRPr lang="zh-CN" altLang="en-US"/>
           </a:p>
@@ -1754,29 +1661,23 @@
           <a:p>
             <a:fld id="{4FE4AC72-BA51-437E-8D85-A7DD916C4313}" type="slidenum">
               <a:rPr lang="zh-CN" altLang="en-US" smtClean="0"/>
-              <a:t>‹#›</a:t>
             </a:fld>
             <a:endParaRPr lang="zh-CN" altLang="en-US"/>
           </a:p>
         </p:txBody>
       </p:sp>
     </p:spTree>
-    <p:extLst>
-      <p:ext uri="{BB962C8B-B14F-4D97-AF65-F5344CB8AC3E}">
-        <p14:creationId xmlns:p14="http://schemas.microsoft.com/office/powerpoint/2010/main" val="463079796"/>
-      </p:ext>
-    </p:extLst>
   </p:cSld>
   <p:clrMapOvr>
     <a:masterClrMapping/>
   </p:clrMapOvr>
-  <mc:AlternateContent xmlns:mc="http://schemas.openxmlformats.org/markup-compatibility/2006" xmlns:p14="http://schemas.microsoft.com/office/powerpoint/2010/main">
-    <mc:Choice Requires="p14">
+  <mc:AlternateContent xmlns:mc="http://schemas.openxmlformats.org/markup-compatibility/2006">
+    <mc:Choice xmlns:p14="http://schemas.microsoft.com/office/powerpoint/2010/main" Requires="p14">
       <p:transition spd="slow" p14:dur="1600">
         <p14:conveyor dir="l"/>
       </p:transition>
     </mc:Choice>
-    <mc:Fallback xmlns="">
+    <mc:Fallback>
       <p:transition spd="slow">
         <p:fade/>
       </p:transition>
@@ -1826,6 +1727,7 @@
               <a:rPr lang="zh-CN" altLang="en-US"/>
               <a:t>单击此处编辑母版标题样式</a:t>
             </a:r>
+            <a:endParaRPr lang="zh-CN" altLang="en-US"/>
           </a:p>
         </p:txBody>
       </p:sp>
@@ -1854,6 +1756,7 @@
               <a:rPr lang="zh-CN" altLang="en-US"/>
               <a:t>单击此处编辑母版文本样式</a:t>
             </a:r>
+            <a:endParaRPr lang="zh-CN" altLang="en-US"/>
           </a:p>
           <a:p>
             <a:pPr lvl="1"/>
@@ -1861,6 +1764,7 @@
               <a:rPr lang="zh-CN" altLang="en-US"/>
               <a:t>第二级</a:t>
             </a:r>
+            <a:endParaRPr lang="zh-CN" altLang="en-US"/>
           </a:p>
           <a:p>
             <a:pPr lvl="2"/>
@@ -1868,6 +1772,7 @@
               <a:rPr lang="zh-CN" altLang="en-US"/>
               <a:t>第三级</a:t>
             </a:r>
+            <a:endParaRPr lang="zh-CN" altLang="en-US"/>
           </a:p>
           <a:p>
             <a:pPr lvl="3"/>
@@ -1875,6 +1780,7 @@
               <a:rPr lang="zh-CN" altLang="en-US"/>
               <a:t>第四级</a:t>
             </a:r>
+            <a:endParaRPr lang="zh-CN" altLang="en-US"/>
           </a:p>
           <a:p>
             <a:pPr lvl="4"/>
@@ -1882,6 +1788,7 @@
               <a:rPr lang="zh-CN" altLang="en-US"/>
               <a:t>第五级</a:t>
             </a:r>
+            <a:endParaRPr lang="zh-CN" altLang="en-US"/>
           </a:p>
         </p:txBody>
       </p:sp>
@@ -1902,7 +1809,6 @@
           <a:p>
             <a:fld id="{AC2D831D-0604-41F7-A337-F1AC1257C2FF}" type="datetimeFigureOut">
               <a:rPr lang="zh-CN" altLang="en-US" smtClean="0"/>
-              <a:t>2017/10/18</a:t>
             </a:fld>
             <a:endParaRPr lang="zh-CN" altLang="en-US"/>
           </a:p>
@@ -1944,29 +1850,23 @@
           <a:p>
             <a:fld id="{4FE4AC72-BA51-437E-8D85-A7DD916C4313}" type="slidenum">
               <a:rPr lang="zh-CN" altLang="en-US" smtClean="0"/>
-              <a:t>‹#›</a:t>
             </a:fld>
             <a:endParaRPr lang="zh-CN" altLang="en-US"/>
           </a:p>
         </p:txBody>
       </p:sp>
     </p:spTree>
-    <p:extLst>
-      <p:ext uri="{BB962C8B-B14F-4D97-AF65-F5344CB8AC3E}">
-        <p14:creationId xmlns:p14="http://schemas.microsoft.com/office/powerpoint/2010/main" val="878884215"/>
-      </p:ext>
-    </p:extLst>
   </p:cSld>
   <p:clrMapOvr>
     <a:masterClrMapping/>
   </p:clrMapOvr>
-  <mc:AlternateContent xmlns:mc="http://schemas.openxmlformats.org/markup-compatibility/2006" xmlns:p14="http://schemas.microsoft.com/office/powerpoint/2010/main">
-    <mc:Choice Requires="p14">
+  <mc:AlternateContent xmlns:mc="http://schemas.openxmlformats.org/markup-compatibility/2006">
+    <mc:Choice xmlns:p14="http://schemas.microsoft.com/office/powerpoint/2010/main" Requires="p14">
       <p:transition spd="slow" p14:dur="1600">
         <p14:conveyor dir="l"/>
       </p:transition>
     </mc:Choice>
-    <mc:Fallback xmlns="">
+    <mc:Fallback>
       <p:transition spd="slow">
         <p:fade/>
       </p:transition>
@@ -2011,6 +1911,7 @@
               <a:rPr lang="zh-CN" altLang="en-US"/>
               <a:t>单击此处编辑母版标题样式</a:t>
             </a:r>
+            <a:endParaRPr lang="zh-CN" altLang="en-US"/>
           </a:p>
         </p:txBody>
       </p:sp>
@@ -2034,6 +1935,7 @@
               <a:rPr lang="zh-CN" altLang="en-US"/>
               <a:t>单击此处编辑母版文本样式</a:t>
             </a:r>
+            <a:endParaRPr lang="zh-CN" altLang="en-US"/>
           </a:p>
           <a:p>
             <a:pPr lvl="1"/>
@@ -2041,6 +1943,7 @@
               <a:rPr lang="zh-CN" altLang="en-US"/>
               <a:t>第二级</a:t>
             </a:r>
+            <a:endParaRPr lang="zh-CN" altLang="en-US"/>
           </a:p>
           <a:p>
             <a:pPr lvl="2"/>
@@ -2048,6 +1951,7 @@
               <a:rPr lang="zh-CN" altLang="en-US"/>
               <a:t>第三级</a:t>
             </a:r>
+            <a:endParaRPr lang="zh-CN" altLang="en-US"/>
           </a:p>
           <a:p>
             <a:pPr lvl="3"/>
@@ -2055,6 +1959,7 @@
               <a:rPr lang="zh-CN" altLang="en-US"/>
               <a:t>第四级</a:t>
             </a:r>
+            <a:endParaRPr lang="zh-CN" altLang="en-US"/>
           </a:p>
           <a:p>
             <a:pPr lvl="4"/>
@@ -2062,6 +1967,7 @@
               <a:rPr lang="zh-CN" altLang="en-US"/>
               <a:t>第五级</a:t>
             </a:r>
+            <a:endParaRPr lang="zh-CN" altLang="en-US"/>
           </a:p>
         </p:txBody>
       </p:sp>
@@ -2082,7 +1988,6 @@
           <a:p>
             <a:fld id="{AC2D831D-0604-41F7-A337-F1AC1257C2FF}" type="datetimeFigureOut">
               <a:rPr lang="zh-CN" altLang="en-US" smtClean="0"/>
-              <a:t>2017/10/18</a:t>
             </a:fld>
             <a:endParaRPr lang="zh-CN" altLang="en-US"/>
           </a:p>
@@ -2124,29 +2029,23 @@
           <a:p>
             <a:fld id="{4FE4AC72-BA51-437E-8D85-A7DD916C4313}" type="slidenum">
               <a:rPr lang="zh-CN" altLang="en-US" smtClean="0"/>
-              <a:t>‹#›</a:t>
             </a:fld>
             <a:endParaRPr lang="zh-CN" altLang="en-US"/>
           </a:p>
         </p:txBody>
       </p:sp>
     </p:spTree>
-    <p:extLst>
-      <p:ext uri="{BB962C8B-B14F-4D97-AF65-F5344CB8AC3E}">
-        <p14:creationId xmlns:p14="http://schemas.microsoft.com/office/powerpoint/2010/main" val="372836958"/>
-      </p:ext>
-    </p:extLst>
   </p:cSld>
   <p:clrMapOvr>
     <a:masterClrMapping/>
   </p:clrMapOvr>
-  <mc:AlternateContent xmlns:mc="http://schemas.openxmlformats.org/markup-compatibility/2006" xmlns:p14="http://schemas.microsoft.com/office/powerpoint/2010/main">
-    <mc:Choice Requires="p14">
+  <mc:AlternateContent xmlns:mc="http://schemas.openxmlformats.org/markup-compatibility/2006">
+    <mc:Choice xmlns:p14="http://schemas.microsoft.com/office/powerpoint/2010/main" Requires="p14">
       <p:transition spd="slow" p14:dur="1600">
         <p14:conveyor dir="l"/>
       </p:transition>
     </mc:Choice>
-    <mc:Fallback xmlns="">
+    <mc:Fallback>
       <p:transition spd="slow">
         <p:fade/>
       </p:transition>
@@ -2200,6 +2099,7 @@
               <a:rPr lang="zh-CN" altLang="en-US"/>
               <a:t>单击此处编辑母版标题样式</a:t>
             </a:r>
+            <a:endParaRPr lang="zh-CN" altLang="en-US"/>
           </a:p>
         </p:txBody>
       </p:sp>
@@ -2319,6 +2219,7 @@
               <a:rPr lang="zh-CN" altLang="en-US"/>
               <a:t>单击此处编辑母版文本样式</a:t>
             </a:r>
+            <a:endParaRPr lang="zh-CN" altLang="en-US"/>
           </a:p>
         </p:txBody>
       </p:sp>
@@ -2339,7 +2240,6 @@
           <a:p>
             <a:fld id="{AC2D831D-0604-41F7-A337-F1AC1257C2FF}" type="datetimeFigureOut">
               <a:rPr lang="zh-CN" altLang="en-US" smtClean="0"/>
-              <a:t>2017/10/18</a:t>
             </a:fld>
             <a:endParaRPr lang="zh-CN" altLang="en-US"/>
           </a:p>
@@ -2381,29 +2281,23 @@
           <a:p>
             <a:fld id="{4FE4AC72-BA51-437E-8D85-A7DD916C4313}" type="slidenum">
               <a:rPr lang="zh-CN" altLang="en-US" smtClean="0"/>
-              <a:t>‹#›</a:t>
             </a:fld>
             <a:endParaRPr lang="zh-CN" altLang="en-US"/>
           </a:p>
         </p:txBody>
       </p:sp>
     </p:spTree>
-    <p:extLst>
-      <p:ext uri="{BB962C8B-B14F-4D97-AF65-F5344CB8AC3E}">
-        <p14:creationId xmlns:p14="http://schemas.microsoft.com/office/powerpoint/2010/main" val="1792586359"/>
-      </p:ext>
-    </p:extLst>
   </p:cSld>
   <p:clrMapOvr>
     <a:masterClrMapping/>
   </p:clrMapOvr>
-  <mc:AlternateContent xmlns:mc="http://schemas.openxmlformats.org/markup-compatibility/2006" xmlns:p14="http://schemas.microsoft.com/office/powerpoint/2010/main">
-    <mc:Choice Requires="p14">
+  <mc:AlternateContent xmlns:mc="http://schemas.openxmlformats.org/markup-compatibility/2006">
+    <mc:Choice xmlns:p14="http://schemas.microsoft.com/office/powerpoint/2010/main" Requires="p14">
       <p:transition spd="slow" p14:dur="1600">
         <p14:conveyor dir="l"/>
       </p:transition>
     </mc:Choice>
-    <mc:Fallback xmlns="">
+    <mc:Fallback>
       <p:transition spd="slow">
         <p:fade/>
       </p:transition>
@@ -2448,6 +2342,7 @@
               <a:rPr lang="zh-CN" altLang="en-US"/>
               <a:t>单击此处编辑母版标题样式</a:t>
             </a:r>
+            <a:endParaRPr lang="zh-CN" altLang="en-US"/>
           </a:p>
         </p:txBody>
       </p:sp>
@@ -2476,6 +2371,7 @@
               <a:rPr lang="zh-CN" altLang="en-US"/>
               <a:t>单击此处编辑母版文本样式</a:t>
             </a:r>
+            <a:endParaRPr lang="zh-CN" altLang="en-US"/>
           </a:p>
           <a:p>
             <a:pPr lvl="1"/>
@@ -2483,6 +2379,7 @@
               <a:rPr lang="zh-CN" altLang="en-US"/>
               <a:t>第二级</a:t>
             </a:r>
+            <a:endParaRPr lang="zh-CN" altLang="en-US"/>
           </a:p>
           <a:p>
             <a:pPr lvl="2"/>
@@ -2490,6 +2387,7 @@
               <a:rPr lang="zh-CN" altLang="en-US"/>
               <a:t>第三级</a:t>
             </a:r>
+            <a:endParaRPr lang="zh-CN" altLang="en-US"/>
           </a:p>
           <a:p>
             <a:pPr lvl="3"/>
@@ -2497,6 +2395,7 @@
               <a:rPr lang="zh-CN" altLang="en-US"/>
               <a:t>第四级</a:t>
             </a:r>
+            <a:endParaRPr lang="zh-CN" altLang="en-US"/>
           </a:p>
           <a:p>
             <a:pPr lvl="4"/>
@@ -2504,6 +2403,7 @@
               <a:rPr lang="zh-CN" altLang="en-US"/>
               <a:t>第五级</a:t>
             </a:r>
+            <a:endParaRPr lang="zh-CN" altLang="en-US"/>
           </a:p>
         </p:txBody>
       </p:sp>
@@ -2532,6 +2432,7 @@
               <a:rPr lang="zh-CN" altLang="en-US"/>
               <a:t>单击此处编辑母版文本样式</a:t>
             </a:r>
+            <a:endParaRPr lang="zh-CN" altLang="en-US"/>
           </a:p>
           <a:p>
             <a:pPr lvl="1"/>
@@ -2539,6 +2440,7 @@
               <a:rPr lang="zh-CN" altLang="en-US"/>
               <a:t>第二级</a:t>
             </a:r>
+            <a:endParaRPr lang="zh-CN" altLang="en-US"/>
           </a:p>
           <a:p>
             <a:pPr lvl="2"/>
@@ -2546,6 +2448,7 @@
               <a:rPr lang="zh-CN" altLang="en-US"/>
               <a:t>第三级</a:t>
             </a:r>
+            <a:endParaRPr lang="zh-CN" altLang="en-US"/>
           </a:p>
           <a:p>
             <a:pPr lvl="3"/>
@@ -2553,6 +2456,7 @@
               <a:rPr lang="zh-CN" altLang="en-US"/>
               <a:t>第四级</a:t>
             </a:r>
+            <a:endParaRPr lang="zh-CN" altLang="en-US"/>
           </a:p>
           <a:p>
             <a:pPr lvl="4"/>
@@ -2560,6 +2464,7 @@
               <a:rPr lang="zh-CN" altLang="en-US"/>
               <a:t>第五级</a:t>
             </a:r>
+            <a:endParaRPr lang="zh-CN" altLang="en-US"/>
           </a:p>
         </p:txBody>
       </p:sp>
@@ -2580,7 +2485,6 @@
           <a:p>
             <a:fld id="{AC2D831D-0604-41F7-A337-F1AC1257C2FF}" type="datetimeFigureOut">
               <a:rPr lang="zh-CN" altLang="en-US" smtClean="0"/>
-              <a:t>2017/10/18</a:t>
             </a:fld>
             <a:endParaRPr lang="zh-CN" altLang="en-US"/>
           </a:p>
@@ -2622,29 +2526,23 @@
           <a:p>
             <a:fld id="{4FE4AC72-BA51-437E-8D85-A7DD916C4313}" type="slidenum">
               <a:rPr lang="zh-CN" altLang="en-US" smtClean="0"/>
-              <a:t>‹#›</a:t>
             </a:fld>
             <a:endParaRPr lang="zh-CN" altLang="en-US"/>
           </a:p>
         </p:txBody>
       </p:sp>
     </p:spTree>
-    <p:extLst>
-      <p:ext uri="{BB962C8B-B14F-4D97-AF65-F5344CB8AC3E}">
-        <p14:creationId xmlns:p14="http://schemas.microsoft.com/office/powerpoint/2010/main" val="680235874"/>
-      </p:ext>
-    </p:extLst>
   </p:cSld>
   <p:clrMapOvr>
     <a:masterClrMapping/>
   </p:clrMapOvr>
-  <mc:AlternateContent xmlns:mc="http://schemas.openxmlformats.org/markup-compatibility/2006" xmlns:p14="http://schemas.microsoft.com/office/powerpoint/2010/main">
-    <mc:Choice Requires="p14">
+  <mc:AlternateContent xmlns:mc="http://schemas.openxmlformats.org/markup-compatibility/2006">
+    <mc:Choice xmlns:p14="http://schemas.microsoft.com/office/powerpoint/2010/main" Requires="p14">
       <p:transition spd="slow" p14:dur="1600">
         <p14:conveyor dir="l"/>
       </p:transition>
     </mc:Choice>
-    <mc:Fallback xmlns="">
+    <mc:Fallback>
       <p:transition spd="slow">
         <p:fade/>
       </p:transition>
@@ -2694,6 +2592,7 @@
               <a:rPr lang="zh-CN" altLang="en-US"/>
               <a:t>单击此处编辑母版标题样式</a:t>
             </a:r>
+            <a:endParaRPr lang="zh-CN" altLang="en-US"/>
           </a:p>
         </p:txBody>
       </p:sp>
@@ -2759,6 +2658,7 @@
               <a:rPr lang="zh-CN" altLang="en-US"/>
               <a:t>单击此处编辑母版文本样式</a:t>
             </a:r>
+            <a:endParaRPr lang="zh-CN" altLang="en-US"/>
           </a:p>
         </p:txBody>
       </p:sp>
@@ -2787,6 +2687,7 @@
               <a:rPr lang="zh-CN" altLang="en-US"/>
               <a:t>单击此处编辑母版文本样式</a:t>
             </a:r>
+            <a:endParaRPr lang="zh-CN" altLang="en-US"/>
           </a:p>
           <a:p>
             <a:pPr lvl="1"/>
@@ -2794,6 +2695,7 @@
               <a:rPr lang="zh-CN" altLang="en-US"/>
               <a:t>第二级</a:t>
             </a:r>
+            <a:endParaRPr lang="zh-CN" altLang="en-US"/>
           </a:p>
           <a:p>
             <a:pPr lvl="2"/>
@@ -2801,6 +2703,7 @@
               <a:rPr lang="zh-CN" altLang="en-US"/>
               <a:t>第三级</a:t>
             </a:r>
+            <a:endParaRPr lang="zh-CN" altLang="en-US"/>
           </a:p>
           <a:p>
             <a:pPr lvl="3"/>
@@ -2808,6 +2711,7 @@
               <a:rPr lang="zh-CN" altLang="en-US"/>
               <a:t>第四级</a:t>
             </a:r>
+            <a:endParaRPr lang="zh-CN" altLang="en-US"/>
           </a:p>
           <a:p>
             <a:pPr lvl="4"/>
@@ -2815,6 +2719,7 @@
               <a:rPr lang="zh-CN" altLang="en-US"/>
               <a:t>第五级</a:t>
             </a:r>
+            <a:endParaRPr lang="zh-CN" altLang="en-US"/>
           </a:p>
         </p:txBody>
       </p:sp>
@@ -2880,6 +2785,7 @@
               <a:rPr lang="zh-CN" altLang="en-US"/>
               <a:t>单击此处编辑母版文本样式</a:t>
             </a:r>
+            <a:endParaRPr lang="zh-CN" altLang="en-US"/>
           </a:p>
         </p:txBody>
       </p:sp>
@@ -2908,6 +2814,7 @@
               <a:rPr lang="zh-CN" altLang="en-US"/>
               <a:t>单击此处编辑母版文本样式</a:t>
             </a:r>
+            <a:endParaRPr lang="zh-CN" altLang="en-US"/>
           </a:p>
           <a:p>
             <a:pPr lvl="1"/>
@@ -2915,6 +2822,7 @@
               <a:rPr lang="zh-CN" altLang="en-US"/>
               <a:t>第二级</a:t>
             </a:r>
+            <a:endParaRPr lang="zh-CN" altLang="en-US"/>
           </a:p>
           <a:p>
             <a:pPr lvl="2"/>
@@ -2922,6 +2830,7 @@
               <a:rPr lang="zh-CN" altLang="en-US"/>
               <a:t>第三级</a:t>
             </a:r>
+            <a:endParaRPr lang="zh-CN" altLang="en-US"/>
           </a:p>
           <a:p>
             <a:pPr lvl="3"/>
@@ -2929,6 +2838,7 @@
               <a:rPr lang="zh-CN" altLang="en-US"/>
               <a:t>第四级</a:t>
             </a:r>
+            <a:endParaRPr lang="zh-CN" altLang="en-US"/>
           </a:p>
           <a:p>
             <a:pPr lvl="4"/>
@@ -2936,6 +2846,7 @@
               <a:rPr lang="zh-CN" altLang="en-US"/>
               <a:t>第五级</a:t>
             </a:r>
+            <a:endParaRPr lang="zh-CN" altLang="en-US"/>
           </a:p>
         </p:txBody>
       </p:sp>
@@ -2956,7 +2867,6 @@
           <a:p>
             <a:fld id="{AC2D831D-0604-41F7-A337-F1AC1257C2FF}" type="datetimeFigureOut">
               <a:rPr lang="zh-CN" altLang="en-US" smtClean="0"/>
-              <a:t>2017/10/18</a:t>
             </a:fld>
             <a:endParaRPr lang="zh-CN" altLang="en-US"/>
           </a:p>
@@ -2998,29 +2908,23 @@
           <a:p>
             <a:fld id="{4FE4AC72-BA51-437E-8D85-A7DD916C4313}" type="slidenum">
               <a:rPr lang="zh-CN" altLang="en-US" smtClean="0"/>
-              <a:t>‹#›</a:t>
             </a:fld>
             <a:endParaRPr lang="zh-CN" altLang="en-US"/>
           </a:p>
         </p:txBody>
       </p:sp>
     </p:spTree>
-    <p:extLst>
-      <p:ext uri="{BB962C8B-B14F-4D97-AF65-F5344CB8AC3E}">
-        <p14:creationId xmlns:p14="http://schemas.microsoft.com/office/powerpoint/2010/main" val="1425424376"/>
-      </p:ext>
-    </p:extLst>
   </p:cSld>
   <p:clrMapOvr>
     <a:masterClrMapping/>
   </p:clrMapOvr>
-  <mc:AlternateContent xmlns:mc="http://schemas.openxmlformats.org/markup-compatibility/2006" xmlns:p14="http://schemas.microsoft.com/office/powerpoint/2010/main">
-    <mc:Choice Requires="p14">
+  <mc:AlternateContent xmlns:mc="http://schemas.openxmlformats.org/markup-compatibility/2006">
+    <mc:Choice xmlns:p14="http://schemas.microsoft.com/office/powerpoint/2010/main" Requires="p14">
       <p:transition spd="slow" p14:dur="1600">
         <p14:conveyor dir="l"/>
       </p:transition>
     </mc:Choice>
-    <mc:Fallback xmlns="">
+    <mc:Fallback>
       <p:transition spd="slow">
         <p:fade/>
       </p:transition>
@@ -3065,6 +2969,7 @@
               <a:rPr lang="zh-CN" altLang="en-US"/>
               <a:t>单击此处编辑母版标题样式</a:t>
             </a:r>
+            <a:endParaRPr lang="zh-CN" altLang="en-US"/>
           </a:p>
         </p:txBody>
       </p:sp>
@@ -3085,7 +2990,6 @@
           <a:p>
             <a:fld id="{AC2D831D-0604-41F7-A337-F1AC1257C2FF}" type="datetimeFigureOut">
               <a:rPr lang="zh-CN" altLang="en-US" smtClean="0"/>
-              <a:t>2017/10/18</a:t>
             </a:fld>
             <a:endParaRPr lang="zh-CN" altLang="en-US"/>
           </a:p>
@@ -3127,29 +3031,23 @@
           <a:p>
             <a:fld id="{4FE4AC72-BA51-437E-8D85-A7DD916C4313}" type="slidenum">
               <a:rPr lang="zh-CN" altLang="en-US" smtClean="0"/>
-              <a:t>‹#›</a:t>
             </a:fld>
             <a:endParaRPr lang="zh-CN" altLang="en-US"/>
           </a:p>
         </p:txBody>
       </p:sp>
     </p:spTree>
-    <p:extLst>
-      <p:ext uri="{BB962C8B-B14F-4D97-AF65-F5344CB8AC3E}">
-        <p14:creationId xmlns:p14="http://schemas.microsoft.com/office/powerpoint/2010/main" val="2662785161"/>
-      </p:ext>
-    </p:extLst>
   </p:cSld>
   <p:clrMapOvr>
     <a:masterClrMapping/>
   </p:clrMapOvr>
-  <mc:AlternateContent xmlns:mc="http://schemas.openxmlformats.org/markup-compatibility/2006" xmlns:p14="http://schemas.microsoft.com/office/powerpoint/2010/main">
-    <mc:Choice Requires="p14">
+  <mc:AlternateContent xmlns:mc="http://schemas.openxmlformats.org/markup-compatibility/2006">
+    <mc:Choice xmlns:p14="http://schemas.microsoft.com/office/powerpoint/2010/main" Requires="p14">
       <p:transition spd="slow" p14:dur="1600">
         <p14:conveyor dir="l"/>
       </p:transition>
     </mc:Choice>
-    <mc:Fallback xmlns="">
+    <mc:Fallback>
       <p:transition spd="slow">
         <p:fade/>
       </p:transition>
@@ -3192,7 +3090,6 @@
           <a:p>
             <a:fld id="{AC2D831D-0604-41F7-A337-F1AC1257C2FF}" type="datetimeFigureOut">
               <a:rPr lang="zh-CN" altLang="en-US" smtClean="0"/>
-              <a:t>2017/10/18</a:t>
             </a:fld>
             <a:endParaRPr lang="zh-CN" altLang="en-US"/>
           </a:p>
@@ -3234,29 +3131,23 @@
           <a:p>
             <a:fld id="{4FE4AC72-BA51-437E-8D85-A7DD916C4313}" type="slidenum">
               <a:rPr lang="zh-CN" altLang="en-US" smtClean="0"/>
-              <a:t>‹#›</a:t>
             </a:fld>
             <a:endParaRPr lang="zh-CN" altLang="en-US"/>
           </a:p>
         </p:txBody>
       </p:sp>
     </p:spTree>
-    <p:extLst>
-      <p:ext uri="{BB962C8B-B14F-4D97-AF65-F5344CB8AC3E}">
-        <p14:creationId xmlns:p14="http://schemas.microsoft.com/office/powerpoint/2010/main" val="1091786699"/>
-      </p:ext>
-    </p:extLst>
   </p:cSld>
   <p:clrMapOvr>
     <a:masterClrMapping/>
   </p:clrMapOvr>
-  <mc:AlternateContent xmlns:mc="http://schemas.openxmlformats.org/markup-compatibility/2006" xmlns:p14="http://schemas.microsoft.com/office/powerpoint/2010/main">
-    <mc:Choice Requires="p14">
+  <mc:AlternateContent xmlns:mc="http://schemas.openxmlformats.org/markup-compatibility/2006">
+    <mc:Choice xmlns:p14="http://schemas.microsoft.com/office/powerpoint/2010/main" Requires="p14">
       <p:transition spd="slow" p14:dur="1600">
         <p14:conveyor dir="l"/>
       </p:transition>
     </mc:Choice>
-    <mc:Fallback xmlns="">
+    <mc:Fallback>
       <p:transition spd="slow">
         <p:fade/>
       </p:transition>
@@ -3310,6 +3201,7 @@
               <a:rPr lang="zh-CN" altLang="en-US"/>
               <a:t>单击此处编辑母版标题样式</a:t>
             </a:r>
+            <a:endParaRPr lang="zh-CN" altLang="en-US"/>
           </a:p>
         </p:txBody>
       </p:sp>
@@ -3366,6 +3258,7 @@
               <a:rPr lang="zh-CN" altLang="en-US"/>
               <a:t>单击此处编辑母版文本样式</a:t>
             </a:r>
+            <a:endParaRPr lang="zh-CN" altLang="en-US"/>
           </a:p>
           <a:p>
             <a:pPr lvl="1"/>
@@ -3373,6 +3266,7 @@
               <a:rPr lang="zh-CN" altLang="en-US"/>
               <a:t>第二级</a:t>
             </a:r>
+            <a:endParaRPr lang="zh-CN" altLang="en-US"/>
           </a:p>
           <a:p>
             <a:pPr lvl="2"/>
@@ -3380,6 +3274,7 @@
               <a:rPr lang="zh-CN" altLang="en-US"/>
               <a:t>第三级</a:t>
             </a:r>
+            <a:endParaRPr lang="zh-CN" altLang="en-US"/>
           </a:p>
           <a:p>
             <a:pPr lvl="3"/>
@@ -3387,6 +3282,7 @@
               <a:rPr lang="zh-CN" altLang="en-US"/>
               <a:t>第四级</a:t>
             </a:r>
+            <a:endParaRPr lang="zh-CN" altLang="en-US"/>
           </a:p>
           <a:p>
             <a:pPr lvl="4"/>
@@ -3394,6 +3290,7 @@
               <a:rPr lang="zh-CN" altLang="en-US"/>
               <a:t>第五级</a:t>
             </a:r>
+            <a:endParaRPr lang="zh-CN" altLang="en-US"/>
           </a:p>
         </p:txBody>
       </p:sp>
@@ -3459,6 +3356,7 @@
               <a:rPr lang="zh-CN" altLang="en-US"/>
               <a:t>单击此处编辑母版文本样式</a:t>
             </a:r>
+            <a:endParaRPr lang="zh-CN" altLang="en-US"/>
           </a:p>
         </p:txBody>
       </p:sp>
@@ -3479,7 +3377,6 @@
           <a:p>
             <a:fld id="{AC2D831D-0604-41F7-A337-F1AC1257C2FF}" type="datetimeFigureOut">
               <a:rPr lang="zh-CN" altLang="en-US" smtClean="0"/>
-              <a:t>2017/10/18</a:t>
             </a:fld>
             <a:endParaRPr lang="zh-CN" altLang="en-US"/>
           </a:p>
@@ -3521,29 +3418,23 @@
           <a:p>
             <a:fld id="{4FE4AC72-BA51-437E-8D85-A7DD916C4313}" type="slidenum">
               <a:rPr lang="zh-CN" altLang="en-US" smtClean="0"/>
-              <a:t>‹#›</a:t>
             </a:fld>
             <a:endParaRPr lang="zh-CN" altLang="en-US"/>
           </a:p>
         </p:txBody>
       </p:sp>
     </p:spTree>
-    <p:extLst>
-      <p:ext uri="{BB962C8B-B14F-4D97-AF65-F5344CB8AC3E}">
-        <p14:creationId xmlns:p14="http://schemas.microsoft.com/office/powerpoint/2010/main" val="2918255929"/>
-      </p:ext>
-    </p:extLst>
   </p:cSld>
   <p:clrMapOvr>
     <a:masterClrMapping/>
   </p:clrMapOvr>
-  <mc:AlternateContent xmlns:mc="http://schemas.openxmlformats.org/markup-compatibility/2006" xmlns:p14="http://schemas.microsoft.com/office/powerpoint/2010/main">
-    <mc:Choice Requires="p14">
+  <mc:AlternateContent xmlns:mc="http://schemas.openxmlformats.org/markup-compatibility/2006">
+    <mc:Choice xmlns:p14="http://schemas.microsoft.com/office/powerpoint/2010/main" Requires="p14">
       <p:transition spd="slow" p14:dur="1600">
         <p14:conveyor dir="l"/>
       </p:transition>
     </mc:Choice>
-    <mc:Fallback xmlns="">
+    <mc:Fallback>
       <p:transition spd="slow">
         <p:fade/>
       </p:transition>
@@ -3597,6 +3488,7 @@
               <a:rPr lang="zh-CN" altLang="en-US"/>
               <a:t>单击此处编辑母版标题样式</a:t>
             </a:r>
+            <a:endParaRPr lang="zh-CN" altLang="en-US"/>
           </a:p>
         </p:txBody>
       </p:sp>
@@ -3723,6 +3615,7 @@
               <a:rPr lang="zh-CN" altLang="en-US"/>
               <a:t>单击此处编辑母版文本样式</a:t>
             </a:r>
+            <a:endParaRPr lang="zh-CN" altLang="en-US"/>
           </a:p>
         </p:txBody>
       </p:sp>
@@ -3743,7 +3636,6 @@
           <a:p>
             <a:fld id="{AC2D831D-0604-41F7-A337-F1AC1257C2FF}" type="datetimeFigureOut">
               <a:rPr lang="zh-CN" altLang="en-US" smtClean="0"/>
-              <a:t>2017/10/18</a:t>
             </a:fld>
             <a:endParaRPr lang="zh-CN" altLang="en-US"/>
           </a:p>
@@ -3785,29 +3677,23 @@
           <a:p>
             <a:fld id="{4FE4AC72-BA51-437E-8D85-A7DD916C4313}" type="slidenum">
               <a:rPr lang="zh-CN" altLang="en-US" smtClean="0"/>
-              <a:t>‹#›</a:t>
             </a:fld>
             <a:endParaRPr lang="zh-CN" altLang="en-US"/>
           </a:p>
         </p:txBody>
       </p:sp>
     </p:spTree>
-    <p:extLst>
-      <p:ext uri="{BB962C8B-B14F-4D97-AF65-F5344CB8AC3E}">
-        <p14:creationId xmlns:p14="http://schemas.microsoft.com/office/powerpoint/2010/main" val="940150720"/>
-      </p:ext>
-    </p:extLst>
   </p:cSld>
   <p:clrMapOvr>
     <a:masterClrMapping/>
   </p:clrMapOvr>
-  <mc:AlternateContent xmlns:mc="http://schemas.openxmlformats.org/markup-compatibility/2006" xmlns:p14="http://schemas.microsoft.com/office/powerpoint/2010/main">
-    <mc:Choice Requires="p14">
+  <mc:AlternateContent xmlns:mc="http://schemas.openxmlformats.org/markup-compatibility/2006">
+    <mc:Choice xmlns:p14="http://schemas.microsoft.com/office/powerpoint/2010/main" Requires="p14">
       <p:transition spd="slow" p14:dur="1600">
         <p14:conveyor dir="l"/>
       </p:transition>
     </mc:Choice>
-    <mc:Fallback xmlns="">
+    <mc:Fallback>
       <p:transition spd="slow">
         <p:fade/>
       </p:transition>
@@ -3822,7 +3708,7 @@
     <p:bg>
       <p:bgPr>
         <a:blipFill dpi="0" rotWithShape="1">
-          <a:blip r:embed="rId13">
+          <a:blip r:embed="rId12">
             <a:lum/>
           </a:blip>
           <a:srcRect/>
@@ -3876,6 +3762,7 @@
               <a:rPr lang="zh-CN" altLang="en-US"/>
               <a:t>单击此处编辑母版标题样式</a:t>
             </a:r>
+            <a:endParaRPr lang="zh-CN" altLang="en-US"/>
           </a:p>
         </p:txBody>
       </p:sp>
@@ -3909,6 +3796,7 @@
               <a:rPr lang="zh-CN" altLang="en-US"/>
               <a:t>单击此处编辑母版文本样式</a:t>
             </a:r>
+            <a:endParaRPr lang="zh-CN" altLang="en-US"/>
           </a:p>
           <a:p>
             <a:pPr lvl="1"/>
@@ -3916,6 +3804,7 @@
               <a:rPr lang="zh-CN" altLang="en-US"/>
               <a:t>第二级</a:t>
             </a:r>
+            <a:endParaRPr lang="zh-CN" altLang="en-US"/>
           </a:p>
           <a:p>
             <a:pPr lvl="2"/>
@@ -3923,6 +3812,7 @@
               <a:rPr lang="zh-CN" altLang="en-US"/>
               <a:t>第三级</a:t>
             </a:r>
+            <a:endParaRPr lang="zh-CN" altLang="en-US"/>
           </a:p>
           <a:p>
             <a:pPr lvl="3"/>
@@ -3930,6 +3820,7 @@
               <a:rPr lang="zh-CN" altLang="en-US"/>
               <a:t>第四级</a:t>
             </a:r>
+            <a:endParaRPr lang="zh-CN" altLang="en-US"/>
           </a:p>
           <a:p>
             <a:pPr lvl="4"/>
@@ -3937,6 +3828,7 @@
               <a:rPr lang="zh-CN" altLang="en-US"/>
               <a:t>第五级</a:t>
             </a:r>
+            <a:endParaRPr lang="zh-CN" altLang="en-US"/>
           </a:p>
         </p:txBody>
       </p:sp>
@@ -3975,7 +3867,6 @@
           <a:p>
             <a:fld id="{AC2D831D-0604-41F7-A337-F1AC1257C2FF}" type="datetimeFigureOut">
               <a:rPr lang="zh-CN" altLang="en-US" smtClean="0"/>
-              <a:t>2017/10/18</a:t>
             </a:fld>
             <a:endParaRPr lang="zh-CN" altLang="en-US"/>
           </a:p>
@@ -4053,18 +3944,12 @@
           <a:p>
             <a:fld id="{4FE4AC72-BA51-437E-8D85-A7DD916C4313}" type="slidenum">
               <a:rPr lang="zh-CN" altLang="en-US" smtClean="0"/>
-              <a:t>‹#›</a:t>
             </a:fld>
             <a:endParaRPr lang="zh-CN" altLang="en-US"/>
           </a:p>
         </p:txBody>
       </p:sp>
     </p:spTree>
-    <p:extLst>
-      <p:ext uri="{BB962C8B-B14F-4D97-AF65-F5344CB8AC3E}">
-        <p14:creationId xmlns:p14="http://schemas.microsoft.com/office/powerpoint/2010/main" val="2837432325"/>
-      </p:ext>
-    </p:extLst>
   </p:cSld>
   <p:clrMap bg1="lt1" tx1="dk1" bg2="lt2" tx2="dk2" accent1="accent1" accent2="accent2" accent3="accent3" accent4="accent4" accent5="accent5" accent6="accent6" hlink="hlink" folHlink="folHlink"/>
   <p:sldLayoutIdLst>
@@ -4080,13 +3965,13 @@
     <p:sldLayoutId id="2147483658" r:id="rId10"/>
     <p:sldLayoutId id="2147483659" r:id="rId11"/>
   </p:sldLayoutIdLst>
-  <mc:AlternateContent xmlns:mc="http://schemas.openxmlformats.org/markup-compatibility/2006" xmlns:p14="http://schemas.microsoft.com/office/powerpoint/2010/main">
-    <mc:Choice Requires="p14">
+  <mc:AlternateContent xmlns:mc="http://schemas.openxmlformats.org/markup-compatibility/2006">
+    <mc:Choice xmlns:p14="http://schemas.microsoft.com/office/powerpoint/2010/main" Requires="p14">
       <p:transition spd="slow" p14:dur="1600">
         <p14:conveyor dir="l"/>
       </p:transition>
     </mc:Choice>
-    <mc:Fallback xmlns="">
+    <mc:Fallback>
       <p:transition spd="slow">
         <p:fade/>
       </p:transition>
@@ -4425,6 +4310,13 @@
               </a:rPr>
               <a:t>基于事件驱动的游戏服务器</a:t>
             </a:r>
+            <a:endParaRPr lang="zh-CN" altLang="en-US" sz="4400" b="1" dirty="0">
+              <a:solidFill>
+                <a:schemeClr val="tx2"/>
+              </a:solidFill>
+              <a:latin typeface="微软雅黑" panose="020B0503020204020204" pitchFamily="34" charset="-122"/>
+              <a:ea typeface="微软雅黑" panose="020B0503020204020204" pitchFamily="34" charset="-122"/>
+            </a:endParaRPr>
           </a:p>
         </p:txBody>
       </p:sp>
@@ -4461,6 +4353,13 @@
               </a:rPr>
               <a:t>蔡智立</a:t>
             </a:r>
+            <a:endParaRPr lang="zh-CN" altLang="en-US" sz="2200" dirty="0">
+              <a:solidFill>
+                <a:schemeClr val="tx2"/>
+              </a:solidFill>
+              <a:latin typeface="微软雅黑" panose="020B0503020204020204" pitchFamily="34" charset="-122"/>
+              <a:ea typeface="微软雅黑" panose="020B0503020204020204" pitchFamily="34" charset="-122"/>
+            </a:endParaRPr>
           </a:p>
         </p:txBody>
       </p:sp>
@@ -4491,14 +4390,9 @@
           <a:ln>
             <a:noFill/>
           </a:ln>
-          <a:extLst/>
         </p:spPr>
         <p:txBody>
-          <a:bodyPr vert="horz" wrap="square" lIns="91440" tIns="45720" rIns="91440" bIns="45720" numCol="1" anchor="t" anchorCtr="0" compatLnSpc="1">
-            <a:prstTxWarp prst="textNoShape">
-              <a:avLst/>
-            </a:prstTxWarp>
-          </a:bodyPr>
+          <a:bodyPr vert="horz" wrap="square" lIns="91440" tIns="45720" rIns="91440" bIns="45720" numCol="1" anchor="t" anchorCtr="0" compatLnSpc="1"/>
           <a:lstStyle/>
           <a:p>
             <a:pPr algn="ctr"/>
@@ -4526,14 +4420,9 @@
           <a:ln>
             <a:noFill/>
           </a:ln>
-          <a:extLst/>
         </p:spPr>
         <p:txBody>
-          <a:bodyPr vert="horz" wrap="square" lIns="91440" tIns="45720" rIns="91440" bIns="45720" numCol="1" anchor="t" anchorCtr="0" compatLnSpc="1">
-            <a:prstTxWarp prst="textNoShape">
-              <a:avLst/>
-            </a:prstTxWarp>
-          </a:bodyPr>
+          <a:bodyPr vert="horz" wrap="square" lIns="91440" tIns="45720" rIns="91440" bIns="45720" numCol="1" anchor="t" anchorCtr="0" compatLnSpc="1"/>
           <a:lstStyle/>
           <a:p>
             <a:pPr algn="ctr"/>
@@ -4542,22 +4431,17 @@
         </p:txBody>
       </p:sp>
     </p:spTree>
-    <p:extLst>
-      <p:ext uri="{BB962C8B-B14F-4D97-AF65-F5344CB8AC3E}">
-        <p14:creationId xmlns:p14="http://schemas.microsoft.com/office/powerpoint/2010/main" val="601547380"/>
-      </p:ext>
-    </p:extLst>
   </p:cSld>
   <p:clrMapOvr>
     <a:masterClrMapping/>
   </p:clrMapOvr>
-  <mc:AlternateContent xmlns:mc="http://schemas.openxmlformats.org/markup-compatibility/2006" xmlns:p14="http://schemas.microsoft.com/office/powerpoint/2010/main">
-    <mc:Choice Requires="p14">
+  <mc:AlternateContent xmlns:mc="http://schemas.openxmlformats.org/markup-compatibility/2006">
+    <mc:Choice xmlns:p14="http://schemas.microsoft.com/office/powerpoint/2010/main" Requires="p14">
       <p:transition spd="slow" p14:dur="4000">
         <p14:vortex dir="r"/>
       </p:transition>
     </mc:Choice>
-    <mc:Fallback xmlns="">
+    <mc:Fallback>
       <p:transition spd="slow">
         <p:fade/>
       </p:transition>
@@ -4826,7 +4710,7 @@
                         <p:par>
                           <p:cTn id="23" fill="hold">
                             <p:stCondLst>
-                              <p:cond delay="1250"/>
+                              <p:cond delay="900"/>
                             </p:stCondLst>
                             <p:childTnLst>
                               <p:par>
@@ -5164,14 +5048,9 @@
           <a:ln>
             <a:noFill/>
           </a:ln>
-          <a:extLst/>
         </p:spPr>
         <p:txBody>
-          <a:bodyPr vert="horz" wrap="square" lIns="91440" tIns="45720" rIns="91440" bIns="45720" numCol="1" anchor="t" anchorCtr="0" compatLnSpc="1">
-            <a:prstTxWarp prst="textNoShape">
-              <a:avLst/>
-            </a:prstTxWarp>
-          </a:bodyPr>
+          <a:bodyPr vert="horz" wrap="square" lIns="91440" tIns="45720" rIns="91440" bIns="45720" numCol="1" anchor="t" anchorCtr="0" compatLnSpc="1"/>
           <a:lstStyle/>
           <a:p>
             <a:pPr algn="ctr"/>
@@ -5199,14 +5078,9 @@
           <a:ln>
             <a:noFill/>
           </a:ln>
-          <a:extLst/>
         </p:spPr>
         <p:txBody>
-          <a:bodyPr vert="horz" wrap="square" lIns="91440" tIns="45720" rIns="91440" bIns="45720" numCol="1" anchor="t" anchorCtr="0" compatLnSpc="1">
-            <a:prstTxWarp prst="textNoShape">
-              <a:avLst/>
-            </a:prstTxWarp>
-          </a:bodyPr>
+          <a:bodyPr vert="horz" wrap="square" lIns="91440" tIns="45720" rIns="91440" bIns="45720" numCol="1" anchor="t" anchorCtr="0" compatLnSpc="1"/>
           <a:lstStyle/>
           <a:p>
             <a:pPr algn="ctr"/>
@@ -5215,22 +5089,17 @@
         </p:txBody>
       </p:sp>
     </p:spTree>
-    <p:extLst>
-      <p:ext uri="{BB962C8B-B14F-4D97-AF65-F5344CB8AC3E}">
-        <p14:creationId xmlns:p14="http://schemas.microsoft.com/office/powerpoint/2010/main" val="2275872789"/>
-      </p:ext>
-    </p:extLst>
   </p:cSld>
   <p:clrMapOvr>
     <a:masterClrMapping/>
   </p:clrMapOvr>
-  <mc:AlternateContent xmlns:mc="http://schemas.openxmlformats.org/markup-compatibility/2006" xmlns:p14="http://schemas.microsoft.com/office/powerpoint/2010/main">
-    <mc:Choice Requires="p14">
+  <mc:AlternateContent xmlns:mc="http://schemas.openxmlformats.org/markup-compatibility/2006">
+    <mc:Choice xmlns:p14="http://schemas.microsoft.com/office/powerpoint/2010/main" Requires="p14">
       <p:transition spd="slow" p14:dur="1200">
         <p14:prism/>
       </p:transition>
     </mc:Choice>
-    <mc:Fallback xmlns="">
+    <mc:Fallback>
       <p:transition spd="slow">
         <p:fade/>
       </p:transition>
@@ -5471,7 +5340,7 @@
                         <p:par>
                           <p:cTn id="19" fill="hold">
                             <p:stCondLst>
-                              <p:cond delay="1000"/>
+                              <p:cond delay="500"/>
                             </p:stCondLst>
                             <p:childTnLst>
                               <p:par>
@@ -5621,7 +5490,6 @@
           <a:prstGeom prst="rect">
             <a:avLst/>
           </a:prstGeom>
-          <a:extLst/>
         </p:spPr>
         <p:txBody>
           <a:bodyPr wrap="square">
@@ -5637,7 +5505,7 @@
                 <a:latin typeface="微软雅黑" panose="020B0503020204020204" pitchFamily="34" charset="-122"/>
                 <a:ea typeface="微软雅黑" panose="020B0503020204020204" pitchFamily="34" charset="-122"/>
                 <a:cs typeface="Times New Roman" panose="02020603050405020304" pitchFamily="18" charset="0"/>
-                <a:sym typeface="Impact" pitchFamily="34" charset="0"/>
+                <a:sym typeface="Impact" panose="020B0806030902050204" pitchFamily="34" charset="0"/>
               </a:rPr>
               <a:t>主要结构图</a:t>
             </a:r>
@@ -5672,14 +5540,9 @@
           <a:ln>
             <a:noFill/>
           </a:ln>
-          <a:extLst/>
         </p:spPr>
         <p:txBody>
-          <a:bodyPr vert="horz" wrap="square" lIns="91440" tIns="45720" rIns="91440" bIns="45720" numCol="1" anchor="t" anchorCtr="0" compatLnSpc="1">
-            <a:prstTxWarp prst="textNoShape">
-              <a:avLst/>
-            </a:prstTxWarp>
-          </a:bodyPr>
+          <a:bodyPr vert="horz" wrap="square" lIns="91440" tIns="45720" rIns="91440" bIns="45720" numCol="1" anchor="t" anchorCtr="0" compatLnSpc="1"/>
           <a:lstStyle/>
           <a:p>
             <a:pPr algn="ctr"/>
@@ -5707,14 +5570,9 @@
           <a:ln>
             <a:noFill/>
           </a:ln>
-          <a:extLst/>
         </p:spPr>
         <p:txBody>
-          <a:bodyPr vert="horz" wrap="square" lIns="91440" tIns="45720" rIns="91440" bIns="45720" numCol="1" anchor="t" anchorCtr="0" compatLnSpc="1">
-            <a:prstTxWarp prst="textNoShape">
-              <a:avLst/>
-            </a:prstTxWarp>
-          </a:bodyPr>
+          <a:bodyPr vert="horz" wrap="square" lIns="91440" tIns="45720" rIns="91440" bIns="45720" numCol="1" anchor="t" anchorCtr="0" compatLnSpc="1"/>
           <a:lstStyle/>
           <a:p>
             <a:pPr algn="ctr"/>
@@ -5724,20 +5582,14 @@
       </p:sp>
       <p:pic>
         <p:nvPicPr>
-          <p:cNvPr id="3" name="图片 2">
-            <a:extLst>
-              <a:ext uri="{FF2B5EF4-FFF2-40B4-BE49-F238E27FC236}">
-                <a16:creationId xmlns:a16="http://schemas.microsoft.com/office/drawing/2014/main" id="{99B62E7F-07D0-4A11-A8D7-187E1705500F}"/>
-              </a:ext>
-            </a:extLst>
-          </p:cNvPr>
+          <p:cNvPr id="3" name="图片 2"/>
           <p:cNvPicPr>
             <a:picLocks noChangeAspect="1"/>
           </p:cNvPicPr>
           <p:nvPr/>
         </p:nvPicPr>
         <p:blipFill>
-          <a:blip r:embed="rId3">
+          <a:blip r:embed="rId1">
             <a:extLst>
               <a:ext uri="{28A0092B-C50C-407E-A947-70E740481C1C}">
                 <a14:useLocalDpi xmlns:a14="http://schemas.microsoft.com/office/drawing/2010/main" val="0"/>
@@ -5759,11 +5611,6 @@
         </p:spPr>
       </p:pic>
     </p:spTree>
-    <p:extLst>
-      <p:ext uri="{BB962C8B-B14F-4D97-AF65-F5344CB8AC3E}">
-        <p14:creationId xmlns:p14="http://schemas.microsoft.com/office/powerpoint/2010/main" val="4037773550"/>
-      </p:ext>
-    </p:extLst>
   </p:cSld>
   <p:clrMapOvr>
     <a:masterClrMapping/>
@@ -6175,7 +6022,6 @@
           <a:prstGeom prst="rect">
             <a:avLst/>
           </a:prstGeom>
-          <a:extLst/>
         </p:spPr>
         <p:txBody>
           <a:bodyPr wrap="square">
@@ -6191,7 +6037,7 @@
                 <a:latin typeface="微软雅黑" panose="020B0503020204020204" pitchFamily="34" charset="-122"/>
                 <a:ea typeface="微软雅黑" panose="020B0503020204020204" pitchFamily="34" charset="-122"/>
                 <a:cs typeface="Times New Roman" panose="02020603050405020304" pitchFamily="18" charset="0"/>
-                <a:sym typeface="Impact" pitchFamily="34" charset="0"/>
+                <a:sym typeface="Impact" panose="020B0806030902050204" pitchFamily="34" charset="0"/>
               </a:rPr>
               <a:t>Input</a:t>
             </a:r>
@@ -6202,7 +6048,7 @@
               <a:latin typeface="微软雅黑" panose="020B0503020204020204" pitchFamily="34" charset="-122"/>
               <a:ea typeface="微软雅黑" panose="020B0503020204020204" pitchFamily="34" charset="-122"/>
               <a:cs typeface="Times New Roman" panose="02020603050405020304" pitchFamily="18" charset="0"/>
-              <a:sym typeface="Impact" pitchFamily="34" charset="0"/>
+              <a:sym typeface="Impact" panose="020B0806030902050204" pitchFamily="34" charset="0"/>
             </a:endParaRPr>
           </a:p>
         </p:txBody>
@@ -6227,14 +6073,9 @@
           <a:ln>
             <a:noFill/>
           </a:ln>
-          <a:extLst/>
         </p:spPr>
         <p:txBody>
-          <a:bodyPr vert="horz" wrap="square" lIns="91440" tIns="45720" rIns="91440" bIns="45720" numCol="1" anchor="t" anchorCtr="0" compatLnSpc="1">
-            <a:prstTxWarp prst="textNoShape">
-              <a:avLst/>
-            </a:prstTxWarp>
-          </a:bodyPr>
+          <a:bodyPr vert="horz" wrap="square" lIns="91440" tIns="45720" rIns="91440" bIns="45720" numCol="1" anchor="t" anchorCtr="0" compatLnSpc="1"/>
           <a:lstStyle/>
           <a:p>
             <a:pPr algn="ctr"/>
@@ -6262,14 +6103,9 @@
           <a:ln>
             <a:noFill/>
           </a:ln>
-          <a:extLst/>
         </p:spPr>
         <p:txBody>
-          <a:bodyPr vert="horz" wrap="square" lIns="91440" tIns="45720" rIns="91440" bIns="45720" numCol="1" anchor="t" anchorCtr="0" compatLnSpc="1">
-            <a:prstTxWarp prst="textNoShape">
-              <a:avLst/>
-            </a:prstTxWarp>
-          </a:bodyPr>
+          <a:bodyPr vert="horz" wrap="square" lIns="91440" tIns="45720" rIns="91440" bIns="45720" numCol="1" anchor="t" anchorCtr="0" compatLnSpc="1"/>
           <a:lstStyle/>
           <a:p>
             <a:pPr algn="ctr"/>
@@ -6279,34 +6115,22 @@
       </p:sp>
       <p:pic>
         <p:nvPicPr>
-          <p:cNvPr id="3" name="图片 2">
-            <a:extLst>
-              <a:ext uri="{FF2B5EF4-FFF2-40B4-BE49-F238E27FC236}">
-                <a16:creationId xmlns:a16="http://schemas.microsoft.com/office/drawing/2014/main" id="{708F04E0-1FDD-4619-BE58-04A7E5C5F961}"/>
-              </a:ext>
-            </a:extLst>
-          </p:cNvPr>
+          <p:cNvPr id="2" name="图片 1" descr="input"/>
           <p:cNvPicPr>
             <a:picLocks noChangeAspect="1"/>
           </p:cNvPicPr>
           <p:nvPr/>
         </p:nvPicPr>
         <p:blipFill>
-          <a:blip r:embed="rId3">
-            <a:extLst>
-              <a:ext uri="{28A0092B-C50C-407E-A947-70E740481C1C}">
-                <a14:useLocalDpi xmlns:a14="http://schemas.microsoft.com/office/drawing/2010/main" val="0"/>
-              </a:ext>
-            </a:extLst>
-          </a:blip>
+          <a:blip r:embed="rId1"/>
           <a:stretch>
             <a:fillRect/>
           </a:stretch>
         </p:blipFill>
         <p:spPr>
           <a:xfrm>
-            <a:off x="3605859" y="738695"/>
-            <a:ext cx="4962525" cy="6019800"/>
+            <a:off x="3695700" y="784860"/>
+            <a:ext cx="4609465" cy="6028690"/>
           </a:xfrm>
           <a:prstGeom prst="rect">
             <a:avLst/>
@@ -6314,11 +6138,6 @@
         </p:spPr>
       </p:pic>
     </p:spTree>
-    <p:extLst>
-      <p:ext uri="{BB962C8B-B14F-4D97-AF65-F5344CB8AC3E}">
-        <p14:creationId xmlns:p14="http://schemas.microsoft.com/office/powerpoint/2010/main" val="1404481987"/>
-      </p:ext>
-    </p:extLst>
   </p:cSld>
   <p:clrMapOvr>
     <a:masterClrMapping/>
@@ -6730,7 +6549,6 @@
           <a:prstGeom prst="rect">
             <a:avLst/>
           </a:prstGeom>
-          <a:extLst/>
         </p:spPr>
         <p:txBody>
           <a:bodyPr wrap="square">
@@ -6746,7 +6564,7 @@
                 <a:latin typeface="微软雅黑" panose="020B0503020204020204" pitchFamily="34" charset="-122"/>
                 <a:ea typeface="微软雅黑" panose="020B0503020204020204" pitchFamily="34" charset="-122"/>
                 <a:cs typeface="Times New Roman" panose="02020603050405020304" pitchFamily="18" charset="0"/>
-                <a:sym typeface="Impact" pitchFamily="34" charset="0"/>
+                <a:sym typeface="Impact" panose="020B0806030902050204" pitchFamily="34" charset="0"/>
               </a:rPr>
               <a:t>Output</a:t>
             </a:r>
@@ -6757,7 +6575,7 @@
               <a:latin typeface="微软雅黑" panose="020B0503020204020204" pitchFamily="34" charset="-122"/>
               <a:ea typeface="微软雅黑" panose="020B0503020204020204" pitchFamily="34" charset="-122"/>
               <a:cs typeface="Times New Roman" panose="02020603050405020304" pitchFamily="18" charset="0"/>
-              <a:sym typeface="Impact" pitchFamily="34" charset="0"/>
+              <a:sym typeface="Impact" panose="020B0806030902050204" pitchFamily="34" charset="0"/>
             </a:endParaRPr>
           </a:p>
         </p:txBody>
@@ -6782,14 +6600,9 @@
           <a:ln>
             <a:noFill/>
           </a:ln>
-          <a:extLst/>
         </p:spPr>
         <p:txBody>
-          <a:bodyPr vert="horz" wrap="square" lIns="91440" tIns="45720" rIns="91440" bIns="45720" numCol="1" anchor="t" anchorCtr="0" compatLnSpc="1">
-            <a:prstTxWarp prst="textNoShape">
-              <a:avLst/>
-            </a:prstTxWarp>
-          </a:bodyPr>
+          <a:bodyPr vert="horz" wrap="square" lIns="91440" tIns="45720" rIns="91440" bIns="45720" numCol="1" anchor="t" anchorCtr="0" compatLnSpc="1"/>
           <a:lstStyle/>
           <a:p>
             <a:pPr algn="ctr"/>
@@ -6817,14 +6630,9 @@
           <a:ln>
             <a:noFill/>
           </a:ln>
-          <a:extLst/>
         </p:spPr>
         <p:txBody>
-          <a:bodyPr vert="horz" wrap="square" lIns="91440" tIns="45720" rIns="91440" bIns="45720" numCol="1" anchor="t" anchorCtr="0" compatLnSpc="1">
-            <a:prstTxWarp prst="textNoShape">
-              <a:avLst/>
-            </a:prstTxWarp>
-          </a:bodyPr>
+          <a:bodyPr vert="horz" wrap="square" lIns="91440" tIns="45720" rIns="91440" bIns="45720" numCol="1" anchor="t" anchorCtr="0" compatLnSpc="1"/>
           <a:lstStyle/>
           <a:p>
             <a:pPr algn="ctr"/>
@@ -6834,34 +6642,22 @@
       </p:sp>
       <p:pic>
         <p:nvPicPr>
-          <p:cNvPr id="3" name="图片 2">
-            <a:extLst>
-              <a:ext uri="{FF2B5EF4-FFF2-40B4-BE49-F238E27FC236}">
-                <a16:creationId xmlns:a16="http://schemas.microsoft.com/office/drawing/2014/main" id="{AE9093C2-365D-413F-9BA0-4F4FC7FBBBFF}"/>
-              </a:ext>
-            </a:extLst>
-          </p:cNvPr>
+          <p:cNvPr id="2" name="图片 1" descr="output"/>
           <p:cNvPicPr>
             <a:picLocks noChangeAspect="1"/>
           </p:cNvPicPr>
           <p:nvPr/>
         </p:nvPicPr>
         <p:blipFill>
-          <a:blip r:embed="rId3">
-            <a:extLst>
-              <a:ext uri="{28A0092B-C50C-407E-A947-70E740481C1C}">
-                <a14:useLocalDpi xmlns:a14="http://schemas.microsoft.com/office/drawing/2010/main" val="0"/>
-              </a:ext>
-            </a:extLst>
-          </a:blip>
+          <a:blip r:embed="rId1"/>
           <a:stretch>
             <a:fillRect/>
           </a:stretch>
         </p:blipFill>
         <p:spPr>
           <a:xfrm>
-            <a:off x="4584290" y="0"/>
-            <a:ext cx="3023419" cy="6858000"/>
+            <a:off x="4354195" y="739140"/>
+            <a:ext cx="3295015" cy="5981065"/>
           </a:xfrm>
           <a:prstGeom prst="rect">
             <a:avLst/>
@@ -6869,11 +6665,6 @@
         </p:spPr>
       </p:pic>
     </p:spTree>
-    <p:extLst>
-      <p:ext uri="{BB962C8B-B14F-4D97-AF65-F5344CB8AC3E}">
-        <p14:creationId xmlns:p14="http://schemas.microsoft.com/office/powerpoint/2010/main" val="2194349367"/>
-      </p:ext>
-    </p:extLst>
   </p:cSld>
   <p:clrMapOvr>
     <a:masterClrMapping/>
@@ -7285,7 +7076,6 @@
           <a:prstGeom prst="rect">
             <a:avLst/>
           </a:prstGeom>
-          <a:extLst/>
         </p:spPr>
         <p:txBody>
           <a:bodyPr wrap="square">
@@ -7301,7 +7091,7 @@
                 <a:latin typeface="微软雅黑" panose="020B0503020204020204" pitchFamily="34" charset="-122"/>
                 <a:ea typeface="微软雅黑" panose="020B0503020204020204" pitchFamily="34" charset="-122"/>
                 <a:cs typeface="Times New Roman" panose="02020603050405020304" pitchFamily="18" charset="0"/>
-                <a:sym typeface="Impact" pitchFamily="34" charset="0"/>
+                <a:sym typeface="Impact" panose="020B0806030902050204" pitchFamily="34" charset="0"/>
               </a:rPr>
               <a:t>Buffer</a:t>
             </a:r>
@@ -7312,7 +7102,7 @@
               <a:latin typeface="微软雅黑" panose="020B0503020204020204" pitchFamily="34" charset="-122"/>
               <a:ea typeface="微软雅黑" panose="020B0503020204020204" pitchFamily="34" charset="-122"/>
               <a:cs typeface="Times New Roman" panose="02020603050405020304" pitchFamily="18" charset="0"/>
-              <a:sym typeface="Impact" pitchFamily="34" charset="0"/>
+              <a:sym typeface="Impact" panose="020B0806030902050204" pitchFamily="34" charset="0"/>
             </a:endParaRPr>
           </a:p>
         </p:txBody>
@@ -7337,14 +7127,9 @@
           <a:ln>
             <a:noFill/>
           </a:ln>
-          <a:extLst/>
         </p:spPr>
         <p:txBody>
-          <a:bodyPr vert="horz" wrap="square" lIns="91440" tIns="45720" rIns="91440" bIns="45720" numCol="1" anchor="t" anchorCtr="0" compatLnSpc="1">
-            <a:prstTxWarp prst="textNoShape">
-              <a:avLst/>
-            </a:prstTxWarp>
-          </a:bodyPr>
+          <a:bodyPr vert="horz" wrap="square" lIns="91440" tIns="45720" rIns="91440" bIns="45720" numCol="1" anchor="t" anchorCtr="0" compatLnSpc="1"/>
           <a:lstStyle/>
           <a:p>
             <a:pPr algn="ctr"/>
@@ -7372,14 +7157,9 @@
           <a:ln>
             <a:noFill/>
           </a:ln>
-          <a:extLst/>
         </p:spPr>
         <p:txBody>
-          <a:bodyPr vert="horz" wrap="square" lIns="91440" tIns="45720" rIns="91440" bIns="45720" numCol="1" anchor="t" anchorCtr="0" compatLnSpc="1">
-            <a:prstTxWarp prst="textNoShape">
-              <a:avLst/>
-            </a:prstTxWarp>
-          </a:bodyPr>
+          <a:bodyPr vert="horz" wrap="square" lIns="91440" tIns="45720" rIns="91440" bIns="45720" numCol="1" anchor="t" anchorCtr="0" compatLnSpc="1"/>
           <a:lstStyle/>
           <a:p>
             <a:pPr algn="ctr"/>
@@ -7389,20 +7169,14 @@
       </p:sp>
       <p:pic>
         <p:nvPicPr>
-          <p:cNvPr id="2" name="图片 1">
-            <a:extLst>
-              <a:ext uri="{FF2B5EF4-FFF2-40B4-BE49-F238E27FC236}">
-                <a16:creationId xmlns:a16="http://schemas.microsoft.com/office/drawing/2014/main" id="{86E76830-0EDB-4416-8885-E5EA3A0B7E1E}"/>
-              </a:ext>
-            </a:extLst>
-          </p:cNvPr>
+          <p:cNvPr id="2" name="图片 1"/>
           <p:cNvPicPr>
             <a:picLocks noChangeAspect="1"/>
           </p:cNvPicPr>
           <p:nvPr/>
         </p:nvPicPr>
         <p:blipFill>
-          <a:blip r:embed="rId3"/>
+          <a:blip r:embed="rId1"/>
           <a:stretch>
             <a:fillRect/>
           </a:stretch>
@@ -7418,11 +7192,6 @@
         </p:spPr>
       </p:pic>
     </p:spTree>
-    <p:extLst>
-      <p:ext uri="{BB962C8B-B14F-4D97-AF65-F5344CB8AC3E}">
-        <p14:creationId xmlns:p14="http://schemas.microsoft.com/office/powerpoint/2010/main" val="2248581981"/>
-      </p:ext>
-    </p:extLst>
   </p:cSld>
   <p:clrMapOvr>
     <a:masterClrMapping/>
@@ -7834,7 +7603,6 @@
           <a:prstGeom prst="rect">
             <a:avLst/>
           </a:prstGeom>
-          <a:extLst/>
         </p:spPr>
         <p:txBody>
           <a:bodyPr wrap="square">
@@ -7850,10 +7618,19 @@
                 <a:latin typeface="微软雅黑" panose="020B0503020204020204" pitchFamily="34" charset="-122"/>
                 <a:ea typeface="微软雅黑" panose="020B0503020204020204" pitchFamily="34" charset="-122"/>
                 <a:cs typeface="Times New Roman" panose="02020603050405020304" pitchFamily="18" charset="0"/>
-                <a:sym typeface="Impact" pitchFamily="34" charset="0"/>
+                <a:sym typeface="Impact" panose="020B0806030902050204" pitchFamily="34" charset="0"/>
               </a:rPr>
               <a:t>九宫格</a:t>
             </a:r>
+            <a:endParaRPr lang="zh-CN" altLang="en-US" sz="2800" b="1" kern="100" dirty="0">
+              <a:solidFill>
+                <a:schemeClr val="tx2"/>
+              </a:solidFill>
+              <a:latin typeface="微软雅黑" panose="020B0503020204020204" pitchFamily="34" charset="-122"/>
+              <a:ea typeface="微软雅黑" panose="020B0503020204020204" pitchFamily="34" charset="-122"/>
+              <a:cs typeface="Times New Roman" panose="02020603050405020304" pitchFamily="18" charset="0"/>
+              <a:sym typeface="Impact" panose="020B0806030902050204" pitchFamily="34" charset="0"/>
+            </a:endParaRPr>
           </a:p>
         </p:txBody>
       </p:sp>
@@ -7877,14 +7654,9 @@
           <a:ln>
             <a:noFill/>
           </a:ln>
-          <a:extLst/>
         </p:spPr>
         <p:txBody>
-          <a:bodyPr vert="horz" wrap="square" lIns="91440" tIns="45720" rIns="91440" bIns="45720" numCol="1" anchor="t" anchorCtr="0" compatLnSpc="1">
-            <a:prstTxWarp prst="textNoShape">
-              <a:avLst/>
-            </a:prstTxWarp>
-          </a:bodyPr>
+          <a:bodyPr vert="horz" wrap="square" lIns="91440" tIns="45720" rIns="91440" bIns="45720" numCol="1" anchor="t" anchorCtr="0" compatLnSpc="1"/>
           <a:lstStyle/>
           <a:p>
             <a:pPr algn="ctr"/>
@@ -7912,14 +7684,9 @@
           <a:ln>
             <a:noFill/>
           </a:ln>
-          <a:extLst/>
         </p:spPr>
         <p:txBody>
-          <a:bodyPr vert="horz" wrap="square" lIns="91440" tIns="45720" rIns="91440" bIns="45720" numCol="1" anchor="t" anchorCtr="0" compatLnSpc="1">
-            <a:prstTxWarp prst="textNoShape">
-              <a:avLst/>
-            </a:prstTxWarp>
-          </a:bodyPr>
+          <a:bodyPr vert="horz" wrap="square" lIns="91440" tIns="45720" rIns="91440" bIns="45720" numCol="1" anchor="t" anchorCtr="0" compatLnSpc="1"/>
           <a:lstStyle/>
           <a:p>
             <a:pPr algn="ctr"/>
@@ -7929,20 +7696,14 @@
       </p:sp>
       <p:pic>
         <p:nvPicPr>
-          <p:cNvPr id="3" name="图片 2">
-            <a:extLst>
-              <a:ext uri="{FF2B5EF4-FFF2-40B4-BE49-F238E27FC236}">
-                <a16:creationId xmlns:a16="http://schemas.microsoft.com/office/drawing/2014/main" id="{BE7EEF13-F2EB-4E3B-83CB-18B0B5405347}"/>
-              </a:ext>
-            </a:extLst>
-          </p:cNvPr>
+          <p:cNvPr id="3" name="图片 2"/>
           <p:cNvPicPr>
             <a:picLocks noChangeAspect="1"/>
           </p:cNvPicPr>
           <p:nvPr/>
         </p:nvPicPr>
         <p:blipFill>
-          <a:blip r:embed="rId3"/>
+          <a:blip r:embed="rId1"/>
           <a:stretch>
             <a:fillRect/>
           </a:stretch>
@@ -7959,23 +7720,11 @@
       </p:pic>
       <p:graphicFrame>
         <p:nvGraphicFramePr>
-          <p:cNvPr id="5" name="表格 4">
-            <a:extLst>
-              <a:ext uri="{FF2B5EF4-FFF2-40B4-BE49-F238E27FC236}">
-                <a16:creationId xmlns:a16="http://schemas.microsoft.com/office/drawing/2014/main" id="{EC880784-F518-4CBD-B208-C80E9AEE22A3}"/>
-              </a:ext>
-            </a:extLst>
-          </p:cNvPr>
+          <p:cNvPr id="5" name="表格 4"/>
           <p:cNvGraphicFramePr>
             <a:graphicFrameLocks noGrp="1"/>
           </p:cNvGraphicFramePr>
-          <p:nvPr>
-            <p:extLst>
-              <p:ext uri="{D42A27DB-BD31-4B8C-83A1-F6EECF244321}">
-                <p14:modId xmlns:p14="http://schemas.microsoft.com/office/powerpoint/2010/main" val="4216647311"/>
-              </p:ext>
-            </p:extLst>
-          </p:nvPr>
+          <p:nvPr/>
         </p:nvGraphicFramePr>
         <p:xfrm>
           <a:off x="3922944" y="1145377"/>
@@ -7988,13 +7737,7 @@
                 <a:tableStyleId>{2D5ABB26-0587-4C30-8999-92F81FD0307C}</a:tableStyleId>
               </a:tblPr>
               <a:tblGrid>
-                <a:gridCol w="391604">
-                  <a:extLst>
-                    <a:ext uri="{9D8B030D-6E8A-4147-A177-3AD203B41FA5}">
-                      <a16:colId xmlns:a16="http://schemas.microsoft.com/office/drawing/2014/main" val="1528860886"/>
-                    </a:ext>
-                  </a:extLst>
-                </a:gridCol>
+                <a:gridCol w="391604"/>
               </a:tblGrid>
               <a:tr h="417007">
                 <a:tc>
@@ -8033,11 +7776,6 @@
                     </a:lnBlToTr>
                   </a:tcPr>
                 </a:tc>
-                <a:extLst>
-                  <a:ext uri="{0D108BD9-81ED-4DB2-BD59-A6C34878D82A}">
-                    <a16:rowId xmlns:a16="http://schemas.microsoft.com/office/drawing/2014/main" val="1647426482"/>
-                  </a:ext>
-                </a:extLst>
               </a:tr>
               <a:tr h="417007">
                 <a:tc>
@@ -8059,11 +7797,6 @@
                     </a:lnT>
                   </a:tcPr>
                 </a:tc>
-                <a:extLst>
-                  <a:ext uri="{0D108BD9-81ED-4DB2-BD59-A6C34878D82A}">
-                    <a16:rowId xmlns:a16="http://schemas.microsoft.com/office/drawing/2014/main" val="2567083564"/>
-                  </a:ext>
-                </a:extLst>
               </a:tr>
               <a:tr h="417007">
                 <a:tc>
@@ -8081,11 +7814,6 @@
                   </a:txBody>
                   <a:tcPr/>
                 </a:tc>
-                <a:extLst>
-                  <a:ext uri="{0D108BD9-81ED-4DB2-BD59-A6C34878D82A}">
-                    <a16:rowId xmlns:a16="http://schemas.microsoft.com/office/drawing/2014/main" val="3923147840"/>
-                  </a:ext>
-                </a:extLst>
               </a:tr>
               <a:tr h="417007">
                 <a:tc>
@@ -8103,11 +7831,6 @@
                   </a:txBody>
                   <a:tcPr/>
                 </a:tc>
-                <a:extLst>
-                  <a:ext uri="{0D108BD9-81ED-4DB2-BD59-A6C34878D82A}">
-                    <a16:rowId xmlns:a16="http://schemas.microsoft.com/office/drawing/2014/main" val="2289348639"/>
-                  </a:ext>
-                </a:extLst>
               </a:tr>
               <a:tr h="417007">
                 <a:tc>
@@ -8125,11 +7848,6 @@
                   </a:txBody>
                   <a:tcPr/>
                 </a:tc>
-                <a:extLst>
-                  <a:ext uri="{0D108BD9-81ED-4DB2-BD59-A6C34878D82A}">
-                    <a16:rowId xmlns:a16="http://schemas.microsoft.com/office/drawing/2014/main" val="414857650"/>
-                  </a:ext>
-                </a:extLst>
               </a:tr>
               <a:tr h="417007">
                 <a:tc>
@@ -8147,11 +7865,6 @@
                   </a:txBody>
                   <a:tcPr/>
                 </a:tc>
-                <a:extLst>
-                  <a:ext uri="{0D108BD9-81ED-4DB2-BD59-A6C34878D82A}">
-                    <a16:rowId xmlns:a16="http://schemas.microsoft.com/office/drawing/2014/main" val="1106829256"/>
-                  </a:ext>
-                </a:extLst>
               </a:tr>
               <a:tr h="417007">
                 <a:tc>
@@ -8169,11 +7882,6 @@
                   </a:txBody>
                   <a:tcPr/>
                 </a:tc>
-                <a:extLst>
-                  <a:ext uri="{0D108BD9-81ED-4DB2-BD59-A6C34878D82A}">
-                    <a16:rowId xmlns:a16="http://schemas.microsoft.com/office/drawing/2014/main" val="4198165514"/>
-                  </a:ext>
-                </a:extLst>
               </a:tr>
               <a:tr h="417007">
                 <a:tc>
@@ -8191,11 +7899,6 @@
                   </a:txBody>
                   <a:tcPr/>
                 </a:tc>
-                <a:extLst>
-                  <a:ext uri="{0D108BD9-81ED-4DB2-BD59-A6C34878D82A}">
-                    <a16:rowId xmlns:a16="http://schemas.microsoft.com/office/drawing/2014/main" val="2445377812"/>
-                  </a:ext>
-                </a:extLst>
               </a:tr>
             </a:tbl>
           </a:graphicData>
@@ -8203,23 +7906,11 @@
       </p:graphicFrame>
       <p:graphicFrame>
         <p:nvGraphicFramePr>
-          <p:cNvPr id="6" name="表格 5">
-            <a:extLst>
-              <a:ext uri="{FF2B5EF4-FFF2-40B4-BE49-F238E27FC236}">
-                <a16:creationId xmlns:a16="http://schemas.microsoft.com/office/drawing/2014/main" id="{909BA2B2-37B5-4D50-AFB8-CC0A133ACE95}"/>
-              </a:ext>
-            </a:extLst>
-          </p:cNvPr>
+          <p:cNvPr id="6" name="表格 5"/>
           <p:cNvGraphicFramePr>
             <a:graphicFrameLocks noGrp="1"/>
           </p:cNvGraphicFramePr>
-          <p:nvPr>
-            <p:extLst>
-              <p:ext uri="{D42A27DB-BD31-4B8C-83A1-F6EECF244321}">
-                <p14:modId xmlns:p14="http://schemas.microsoft.com/office/powerpoint/2010/main" val="1735172630"/>
-              </p:ext>
-            </p:extLst>
-          </p:nvPr>
+          <p:nvPr/>
         </p:nvGraphicFramePr>
         <p:xfrm>
           <a:off x="4314547" y="790692"/>
@@ -8232,62 +7923,14 @@
                 <a:tableStyleId>{2D5ABB26-0587-4C30-8999-92F81FD0307C}</a:tableStyleId>
               </a:tblPr>
               <a:tblGrid>
-                <a:gridCol w="433896">
-                  <a:extLst>
-                    <a:ext uri="{9D8B030D-6E8A-4147-A177-3AD203B41FA5}">
-                      <a16:colId xmlns:a16="http://schemas.microsoft.com/office/drawing/2014/main" val="941426192"/>
-                    </a:ext>
-                  </a:extLst>
-                </a:gridCol>
-                <a:gridCol w="433896">
-                  <a:extLst>
-                    <a:ext uri="{9D8B030D-6E8A-4147-A177-3AD203B41FA5}">
-                      <a16:colId xmlns:a16="http://schemas.microsoft.com/office/drawing/2014/main" val="1426408624"/>
-                    </a:ext>
-                  </a:extLst>
-                </a:gridCol>
-                <a:gridCol w="433896">
-                  <a:extLst>
-                    <a:ext uri="{9D8B030D-6E8A-4147-A177-3AD203B41FA5}">
-                      <a16:colId xmlns:a16="http://schemas.microsoft.com/office/drawing/2014/main" val="3293163238"/>
-                    </a:ext>
-                  </a:extLst>
-                </a:gridCol>
-                <a:gridCol w="433896">
-                  <a:extLst>
-                    <a:ext uri="{9D8B030D-6E8A-4147-A177-3AD203B41FA5}">
-                      <a16:colId xmlns:a16="http://schemas.microsoft.com/office/drawing/2014/main" val="206299002"/>
-                    </a:ext>
-                  </a:extLst>
-                </a:gridCol>
-                <a:gridCol w="433896">
-                  <a:extLst>
-                    <a:ext uri="{9D8B030D-6E8A-4147-A177-3AD203B41FA5}">
-                      <a16:colId xmlns:a16="http://schemas.microsoft.com/office/drawing/2014/main" val="464840370"/>
-                    </a:ext>
-                  </a:extLst>
-                </a:gridCol>
-                <a:gridCol w="433896">
-                  <a:extLst>
-                    <a:ext uri="{9D8B030D-6E8A-4147-A177-3AD203B41FA5}">
-                      <a16:colId xmlns:a16="http://schemas.microsoft.com/office/drawing/2014/main" val="3388527118"/>
-                    </a:ext>
-                  </a:extLst>
-                </a:gridCol>
-                <a:gridCol w="433896">
-                  <a:extLst>
-                    <a:ext uri="{9D8B030D-6E8A-4147-A177-3AD203B41FA5}">
-                      <a16:colId xmlns:a16="http://schemas.microsoft.com/office/drawing/2014/main" val="2305016902"/>
-                    </a:ext>
-                  </a:extLst>
-                </a:gridCol>
-                <a:gridCol w="433896">
-                  <a:extLst>
-                    <a:ext uri="{9D8B030D-6E8A-4147-A177-3AD203B41FA5}">
-                      <a16:colId xmlns:a16="http://schemas.microsoft.com/office/drawing/2014/main" val="3849225902"/>
-                    </a:ext>
-                  </a:extLst>
-                </a:gridCol>
+                <a:gridCol w="433896"/>
+                <a:gridCol w="433896"/>
+                <a:gridCol w="433896"/>
+                <a:gridCol w="433896"/>
+                <a:gridCol w="433896"/>
+                <a:gridCol w="433896"/>
+                <a:gridCol w="433896"/>
+                <a:gridCol w="433896"/>
               </a:tblGrid>
               <a:tr h="370840">
                 <a:tc>
@@ -8435,22 +8078,12 @@
                   </a:txBody>
                   <a:tcPr/>
                 </a:tc>
-                <a:extLst>
-                  <a:ext uri="{0D108BD9-81ED-4DB2-BD59-A6C34878D82A}">
-                    <a16:rowId xmlns:a16="http://schemas.microsoft.com/office/drawing/2014/main" val="851652317"/>
-                  </a:ext>
-                </a:extLst>
               </a:tr>
             </a:tbl>
           </a:graphicData>
         </a:graphic>
       </p:graphicFrame>
     </p:spTree>
-    <p:extLst>
-      <p:ext uri="{BB962C8B-B14F-4D97-AF65-F5344CB8AC3E}">
-        <p14:creationId xmlns:p14="http://schemas.microsoft.com/office/powerpoint/2010/main" val="1710920905"/>
-      </p:ext>
-    </p:extLst>
   </p:cSld>
   <p:clrMapOvr>
     <a:masterClrMapping/>
@@ -8862,7 +8495,6 @@
           <a:prstGeom prst="rect">
             <a:avLst/>
           </a:prstGeom>
-          <a:extLst/>
         </p:spPr>
         <p:txBody>
           <a:bodyPr wrap="square">
@@ -8878,12 +8510,10 @@
                 <a:latin typeface="微软雅黑" panose="020B0503020204020204" pitchFamily="34" charset="-122"/>
                 <a:ea typeface="微软雅黑" panose="020B0503020204020204" pitchFamily="34" charset="-122"/>
                 <a:cs typeface="Times New Roman" panose="02020603050405020304" pitchFamily="18" charset="0"/>
-                <a:sym typeface="Impact" pitchFamily="34" charset="0"/>
+                <a:sym typeface="Impact" panose="020B0806030902050204" pitchFamily="34" charset="0"/>
               </a:rPr>
               <a:t>九宫格</a:t>
             </a:r>
-          </a:p>
-          <a:p>
             <a:endParaRPr lang="zh-CN" altLang="en-US" sz="2800" b="1" kern="100" dirty="0">
               <a:solidFill>
                 <a:schemeClr val="tx2"/>
@@ -8891,7 +8521,18 @@
               <a:latin typeface="微软雅黑" panose="020B0503020204020204" pitchFamily="34" charset="-122"/>
               <a:ea typeface="微软雅黑" panose="020B0503020204020204" pitchFamily="34" charset="-122"/>
               <a:cs typeface="Times New Roman" panose="02020603050405020304" pitchFamily="18" charset="0"/>
-              <a:sym typeface="Impact" pitchFamily="34" charset="0"/>
+              <a:sym typeface="Impact" panose="020B0806030902050204" pitchFamily="34" charset="0"/>
+            </a:endParaRPr>
+          </a:p>
+          <a:p>
+            <a:endParaRPr lang="zh-CN" altLang="en-US" sz="2800" b="1" kern="100" dirty="0">
+              <a:solidFill>
+                <a:schemeClr val="tx2"/>
+              </a:solidFill>
+              <a:latin typeface="微软雅黑" panose="020B0503020204020204" pitchFamily="34" charset="-122"/>
+              <a:ea typeface="微软雅黑" panose="020B0503020204020204" pitchFamily="34" charset="-122"/>
+              <a:cs typeface="Times New Roman" panose="02020603050405020304" pitchFamily="18" charset="0"/>
+              <a:sym typeface="Impact" panose="020B0806030902050204" pitchFamily="34" charset="0"/>
             </a:endParaRPr>
           </a:p>
         </p:txBody>
@@ -8916,14 +8557,9 @@
           <a:ln>
             <a:noFill/>
           </a:ln>
-          <a:extLst/>
         </p:spPr>
         <p:txBody>
-          <a:bodyPr vert="horz" wrap="square" lIns="91440" tIns="45720" rIns="91440" bIns="45720" numCol="1" anchor="t" anchorCtr="0" compatLnSpc="1">
-            <a:prstTxWarp prst="textNoShape">
-              <a:avLst/>
-            </a:prstTxWarp>
-          </a:bodyPr>
+          <a:bodyPr vert="horz" wrap="square" lIns="91440" tIns="45720" rIns="91440" bIns="45720" numCol="1" anchor="t" anchorCtr="0" compatLnSpc="1"/>
           <a:lstStyle/>
           <a:p>
             <a:pPr algn="ctr"/>
@@ -8951,14 +8587,9 @@
           <a:ln>
             <a:noFill/>
           </a:ln>
-          <a:extLst/>
         </p:spPr>
         <p:txBody>
-          <a:bodyPr vert="horz" wrap="square" lIns="91440" tIns="45720" rIns="91440" bIns="45720" numCol="1" anchor="t" anchorCtr="0" compatLnSpc="1">
-            <a:prstTxWarp prst="textNoShape">
-              <a:avLst/>
-            </a:prstTxWarp>
-          </a:bodyPr>
+          <a:bodyPr vert="horz" wrap="square" lIns="91440" tIns="45720" rIns="91440" bIns="45720" numCol="1" anchor="t" anchorCtr="0" compatLnSpc="1"/>
           <a:lstStyle/>
           <a:p>
             <a:pPr algn="ctr"/>
@@ -8968,20 +8599,14 @@
       </p:sp>
       <p:pic>
         <p:nvPicPr>
-          <p:cNvPr id="3" name="图片 2">
-            <a:extLst>
-              <a:ext uri="{FF2B5EF4-FFF2-40B4-BE49-F238E27FC236}">
-                <a16:creationId xmlns:a16="http://schemas.microsoft.com/office/drawing/2014/main" id="{BE7EEF13-F2EB-4E3B-83CB-18B0B5405347}"/>
-              </a:ext>
-            </a:extLst>
-          </p:cNvPr>
+          <p:cNvPr id="3" name="图片 2"/>
           <p:cNvPicPr>
             <a:picLocks noChangeAspect="1"/>
           </p:cNvPicPr>
           <p:nvPr/>
         </p:nvPicPr>
         <p:blipFill>
-          <a:blip r:embed="rId3"/>
+          <a:blip r:embed="rId1"/>
           <a:stretch>
             <a:fillRect/>
           </a:stretch>
@@ -8998,20 +8623,14 @@
       </p:pic>
       <p:pic>
         <p:nvPicPr>
-          <p:cNvPr id="2" name="图片 1">
-            <a:extLst>
-              <a:ext uri="{FF2B5EF4-FFF2-40B4-BE49-F238E27FC236}">
-                <a16:creationId xmlns:a16="http://schemas.microsoft.com/office/drawing/2014/main" id="{970FF8BF-D9C6-496D-B76D-CA3AB2CEDF10}"/>
-              </a:ext>
-            </a:extLst>
-          </p:cNvPr>
+          <p:cNvPr id="2" name="图片 1"/>
           <p:cNvPicPr>
             <a:picLocks noChangeAspect="1"/>
           </p:cNvPicPr>
           <p:nvPr/>
         </p:nvPicPr>
         <p:blipFill>
-          <a:blip r:embed="rId4"/>
+          <a:blip r:embed="rId2"/>
           <a:stretch>
             <a:fillRect/>
           </a:stretch>
@@ -9028,23 +8647,11 @@
       </p:pic>
       <p:graphicFrame>
         <p:nvGraphicFramePr>
-          <p:cNvPr id="7" name="表格 6">
-            <a:extLst>
-              <a:ext uri="{FF2B5EF4-FFF2-40B4-BE49-F238E27FC236}">
-                <a16:creationId xmlns:a16="http://schemas.microsoft.com/office/drawing/2014/main" id="{29FC072C-FA26-4DC5-8B9E-B85102080859}"/>
-              </a:ext>
-            </a:extLst>
-          </p:cNvPr>
+          <p:cNvPr id="7" name="表格 6"/>
           <p:cNvGraphicFramePr>
             <a:graphicFrameLocks noGrp="1"/>
           </p:cNvGraphicFramePr>
-          <p:nvPr>
-            <p:extLst>
-              <p:ext uri="{D42A27DB-BD31-4B8C-83A1-F6EECF244321}">
-                <p14:modId xmlns:p14="http://schemas.microsoft.com/office/powerpoint/2010/main" val="2073150503"/>
-              </p:ext>
-            </p:extLst>
-          </p:nvPr>
+          <p:nvPr/>
         </p:nvGraphicFramePr>
         <p:xfrm>
           <a:off x="3922944" y="1145377"/>
@@ -9057,13 +8664,7 @@
                 <a:tableStyleId>{2D5ABB26-0587-4C30-8999-92F81FD0307C}</a:tableStyleId>
               </a:tblPr>
               <a:tblGrid>
-                <a:gridCol w="391604">
-                  <a:extLst>
-                    <a:ext uri="{9D8B030D-6E8A-4147-A177-3AD203B41FA5}">
-                      <a16:colId xmlns:a16="http://schemas.microsoft.com/office/drawing/2014/main" val="1528860886"/>
-                    </a:ext>
-                  </a:extLst>
-                </a:gridCol>
+                <a:gridCol w="391604"/>
               </a:tblGrid>
               <a:tr h="417007">
                 <a:tc>
@@ -9102,11 +8703,6 @@
                     </a:lnBlToTr>
                   </a:tcPr>
                 </a:tc>
-                <a:extLst>
-                  <a:ext uri="{0D108BD9-81ED-4DB2-BD59-A6C34878D82A}">
-                    <a16:rowId xmlns:a16="http://schemas.microsoft.com/office/drawing/2014/main" val="1647426482"/>
-                  </a:ext>
-                </a:extLst>
               </a:tr>
               <a:tr h="417007">
                 <a:tc>
@@ -9128,11 +8724,6 @@
                     </a:lnT>
                   </a:tcPr>
                 </a:tc>
-                <a:extLst>
-                  <a:ext uri="{0D108BD9-81ED-4DB2-BD59-A6C34878D82A}">
-                    <a16:rowId xmlns:a16="http://schemas.microsoft.com/office/drawing/2014/main" val="2567083564"/>
-                  </a:ext>
-                </a:extLst>
               </a:tr>
               <a:tr h="417007">
                 <a:tc>
@@ -9150,11 +8741,6 @@
                   </a:txBody>
                   <a:tcPr/>
                 </a:tc>
-                <a:extLst>
-                  <a:ext uri="{0D108BD9-81ED-4DB2-BD59-A6C34878D82A}">
-                    <a16:rowId xmlns:a16="http://schemas.microsoft.com/office/drawing/2014/main" val="3923147840"/>
-                  </a:ext>
-                </a:extLst>
               </a:tr>
               <a:tr h="417007">
                 <a:tc>
@@ -9172,11 +8758,6 @@
                   </a:txBody>
                   <a:tcPr/>
                 </a:tc>
-                <a:extLst>
-                  <a:ext uri="{0D108BD9-81ED-4DB2-BD59-A6C34878D82A}">
-                    <a16:rowId xmlns:a16="http://schemas.microsoft.com/office/drawing/2014/main" val="2289348639"/>
-                  </a:ext>
-                </a:extLst>
               </a:tr>
               <a:tr h="417007">
                 <a:tc>
@@ -9194,11 +8775,6 @@
                   </a:txBody>
                   <a:tcPr/>
                 </a:tc>
-                <a:extLst>
-                  <a:ext uri="{0D108BD9-81ED-4DB2-BD59-A6C34878D82A}">
-                    <a16:rowId xmlns:a16="http://schemas.microsoft.com/office/drawing/2014/main" val="414857650"/>
-                  </a:ext>
-                </a:extLst>
               </a:tr>
               <a:tr h="417007">
                 <a:tc>
@@ -9216,11 +8792,6 @@
                   </a:txBody>
                   <a:tcPr/>
                 </a:tc>
-                <a:extLst>
-                  <a:ext uri="{0D108BD9-81ED-4DB2-BD59-A6C34878D82A}">
-                    <a16:rowId xmlns:a16="http://schemas.microsoft.com/office/drawing/2014/main" val="1106829256"/>
-                  </a:ext>
-                </a:extLst>
               </a:tr>
               <a:tr h="417007">
                 <a:tc>
@@ -9238,11 +8809,6 @@
                   </a:txBody>
                   <a:tcPr/>
                 </a:tc>
-                <a:extLst>
-                  <a:ext uri="{0D108BD9-81ED-4DB2-BD59-A6C34878D82A}">
-                    <a16:rowId xmlns:a16="http://schemas.microsoft.com/office/drawing/2014/main" val="4198165514"/>
-                  </a:ext>
-                </a:extLst>
               </a:tr>
               <a:tr h="417007">
                 <a:tc>
@@ -9260,11 +8826,6 @@
                   </a:txBody>
                   <a:tcPr/>
                 </a:tc>
-                <a:extLst>
-                  <a:ext uri="{0D108BD9-81ED-4DB2-BD59-A6C34878D82A}">
-                    <a16:rowId xmlns:a16="http://schemas.microsoft.com/office/drawing/2014/main" val="2445377812"/>
-                  </a:ext>
-                </a:extLst>
               </a:tr>
             </a:tbl>
           </a:graphicData>
@@ -9272,23 +8833,11 @@
       </p:graphicFrame>
       <p:graphicFrame>
         <p:nvGraphicFramePr>
-          <p:cNvPr id="8" name="表格 7">
-            <a:extLst>
-              <a:ext uri="{FF2B5EF4-FFF2-40B4-BE49-F238E27FC236}">
-                <a16:creationId xmlns:a16="http://schemas.microsoft.com/office/drawing/2014/main" id="{FBF03254-731E-4BD3-8F62-D680F8F662A2}"/>
-              </a:ext>
-            </a:extLst>
-          </p:cNvPr>
+          <p:cNvPr id="8" name="表格 7"/>
           <p:cNvGraphicFramePr>
             <a:graphicFrameLocks noGrp="1"/>
           </p:cNvGraphicFramePr>
-          <p:nvPr>
-            <p:extLst>
-              <p:ext uri="{D42A27DB-BD31-4B8C-83A1-F6EECF244321}">
-                <p14:modId xmlns:p14="http://schemas.microsoft.com/office/powerpoint/2010/main" val="1428083238"/>
-              </p:ext>
-            </p:extLst>
-          </p:nvPr>
+          <p:nvPr/>
         </p:nvGraphicFramePr>
         <p:xfrm>
           <a:off x="4314547" y="790692"/>
@@ -9301,62 +8850,14 @@
                 <a:tableStyleId>{2D5ABB26-0587-4C30-8999-92F81FD0307C}</a:tableStyleId>
               </a:tblPr>
               <a:tblGrid>
-                <a:gridCol w="433896">
-                  <a:extLst>
-                    <a:ext uri="{9D8B030D-6E8A-4147-A177-3AD203B41FA5}">
-                      <a16:colId xmlns:a16="http://schemas.microsoft.com/office/drawing/2014/main" val="941426192"/>
-                    </a:ext>
-                  </a:extLst>
-                </a:gridCol>
-                <a:gridCol w="433896">
-                  <a:extLst>
-                    <a:ext uri="{9D8B030D-6E8A-4147-A177-3AD203B41FA5}">
-                      <a16:colId xmlns:a16="http://schemas.microsoft.com/office/drawing/2014/main" val="1426408624"/>
-                    </a:ext>
-                  </a:extLst>
-                </a:gridCol>
-                <a:gridCol w="433896">
-                  <a:extLst>
-                    <a:ext uri="{9D8B030D-6E8A-4147-A177-3AD203B41FA5}">
-                      <a16:colId xmlns:a16="http://schemas.microsoft.com/office/drawing/2014/main" val="3293163238"/>
-                    </a:ext>
-                  </a:extLst>
-                </a:gridCol>
-                <a:gridCol w="433896">
-                  <a:extLst>
-                    <a:ext uri="{9D8B030D-6E8A-4147-A177-3AD203B41FA5}">
-                      <a16:colId xmlns:a16="http://schemas.microsoft.com/office/drawing/2014/main" val="206299002"/>
-                    </a:ext>
-                  </a:extLst>
-                </a:gridCol>
-                <a:gridCol w="433896">
-                  <a:extLst>
-                    <a:ext uri="{9D8B030D-6E8A-4147-A177-3AD203B41FA5}">
-                      <a16:colId xmlns:a16="http://schemas.microsoft.com/office/drawing/2014/main" val="464840370"/>
-                    </a:ext>
-                  </a:extLst>
-                </a:gridCol>
-                <a:gridCol w="433896">
-                  <a:extLst>
-                    <a:ext uri="{9D8B030D-6E8A-4147-A177-3AD203B41FA5}">
-                      <a16:colId xmlns:a16="http://schemas.microsoft.com/office/drawing/2014/main" val="3388527118"/>
-                    </a:ext>
-                  </a:extLst>
-                </a:gridCol>
-                <a:gridCol w="433896">
-                  <a:extLst>
-                    <a:ext uri="{9D8B030D-6E8A-4147-A177-3AD203B41FA5}">
-                      <a16:colId xmlns:a16="http://schemas.microsoft.com/office/drawing/2014/main" val="2305016902"/>
-                    </a:ext>
-                  </a:extLst>
-                </a:gridCol>
-                <a:gridCol w="433896">
-                  <a:extLst>
-                    <a:ext uri="{9D8B030D-6E8A-4147-A177-3AD203B41FA5}">
-                      <a16:colId xmlns:a16="http://schemas.microsoft.com/office/drawing/2014/main" val="3849225902"/>
-                    </a:ext>
-                  </a:extLst>
-                </a:gridCol>
+                <a:gridCol w="433896"/>
+                <a:gridCol w="433896"/>
+                <a:gridCol w="433896"/>
+                <a:gridCol w="433896"/>
+                <a:gridCol w="433896"/>
+                <a:gridCol w="433896"/>
+                <a:gridCol w="433896"/>
+                <a:gridCol w="433896"/>
               </a:tblGrid>
               <a:tr h="370840">
                 <a:tc>
@@ -9504,22 +9005,12 @@
                   </a:txBody>
                   <a:tcPr/>
                 </a:tc>
-                <a:extLst>
-                  <a:ext uri="{0D108BD9-81ED-4DB2-BD59-A6C34878D82A}">
-                    <a16:rowId xmlns:a16="http://schemas.microsoft.com/office/drawing/2014/main" val="851652317"/>
-                  </a:ext>
-                </a:extLst>
               </a:tr>
             </a:tbl>
           </a:graphicData>
         </a:graphic>
       </p:graphicFrame>
     </p:spTree>
-    <p:extLst>
-      <p:ext uri="{BB962C8B-B14F-4D97-AF65-F5344CB8AC3E}">
-        <p14:creationId xmlns:p14="http://schemas.microsoft.com/office/powerpoint/2010/main" val="2461513479"/>
-      </p:ext>
-    </p:extLst>
   </p:cSld>
   <p:clrMapOvr>
     <a:masterClrMapping/>
@@ -9568,7 +9059,6 @@
           <a:prstGeom prst="rect">
             <a:avLst/>
           </a:prstGeom>
-          <a:extLst/>
         </p:spPr>
         <p:txBody>
           <a:bodyPr wrap="square">
@@ -9584,10 +9074,19 @@
                 <a:latin typeface="微软雅黑" panose="020B0503020204020204" pitchFamily="34" charset="-122"/>
                 <a:ea typeface="微软雅黑" panose="020B0503020204020204" pitchFamily="34" charset="-122"/>
                 <a:cs typeface="Times New Roman" panose="02020603050405020304" pitchFamily="18" charset="0"/>
-                <a:sym typeface="Impact" pitchFamily="34" charset="0"/>
+                <a:sym typeface="Impact" panose="020B0806030902050204" pitchFamily="34" charset="0"/>
               </a:rPr>
               <a:t>九宫格</a:t>
             </a:r>
+            <a:endParaRPr lang="zh-CN" altLang="en-US" sz="2800" b="1" kern="100" dirty="0">
+              <a:solidFill>
+                <a:schemeClr val="tx2"/>
+              </a:solidFill>
+              <a:latin typeface="微软雅黑" panose="020B0503020204020204" pitchFamily="34" charset="-122"/>
+              <a:ea typeface="微软雅黑" panose="020B0503020204020204" pitchFamily="34" charset="-122"/>
+              <a:cs typeface="Times New Roman" panose="02020603050405020304" pitchFamily="18" charset="0"/>
+              <a:sym typeface="Impact" panose="020B0806030902050204" pitchFamily="34" charset="0"/>
+            </a:endParaRPr>
           </a:p>
         </p:txBody>
       </p:sp>
@@ -9611,14 +9110,9 @@
           <a:ln>
             <a:noFill/>
           </a:ln>
-          <a:extLst/>
         </p:spPr>
         <p:txBody>
-          <a:bodyPr vert="horz" wrap="square" lIns="91440" tIns="45720" rIns="91440" bIns="45720" numCol="1" anchor="t" anchorCtr="0" compatLnSpc="1">
-            <a:prstTxWarp prst="textNoShape">
-              <a:avLst/>
-            </a:prstTxWarp>
-          </a:bodyPr>
+          <a:bodyPr vert="horz" wrap="square" lIns="91440" tIns="45720" rIns="91440" bIns="45720" numCol="1" anchor="t" anchorCtr="0" compatLnSpc="1"/>
           <a:lstStyle/>
           <a:p>
             <a:pPr algn="ctr"/>
@@ -9646,14 +9140,9 @@
           <a:ln>
             <a:noFill/>
           </a:ln>
-          <a:extLst/>
         </p:spPr>
         <p:txBody>
-          <a:bodyPr vert="horz" wrap="square" lIns="91440" tIns="45720" rIns="91440" bIns="45720" numCol="1" anchor="t" anchorCtr="0" compatLnSpc="1">
-            <a:prstTxWarp prst="textNoShape">
-              <a:avLst/>
-            </a:prstTxWarp>
-          </a:bodyPr>
+          <a:bodyPr vert="horz" wrap="square" lIns="91440" tIns="45720" rIns="91440" bIns="45720" numCol="1" anchor="t" anchorCtr="0" compatLnSpc="1"/>
           <a:lstStyle/>
           <a:p>
             <a:pPr algn="ctr"/>
@@ -9663,20 +9152,14 @@
       </p:sp>
       <p:pic>
         <p:nvPicPr>
-          <p:cNvPr id="3" name="图片 2">
-            <a:extLst>
-              <a:ext uri="{FF2B5EF4-FFF2-40B4-BE49-F238E27FC236}">
-                <a16:creationId xmlns:a16="http://schemas.microsoft.com/office/drawing/2014/main" id="{BE7EEF13-F2EB-4E3B-83CB-18B0B5405347}"/>
-              </a:ext>
-            </a:extLst>
-          </p:cNvPr>
+          <p:cNvPr id="3" name="图片 2"/>
           <p:cNvPicPr>
             <a:picLocks noChangeAspect="1"/>
           </p:cNvPicPr>
           <p:nvPr/>
         </p:nvPicPr>
         <p:blipFill>
-          <a:blip r:embed="rId3"/>
+          <a:blip r:embed="rId1"/>
           <a:stretch>
             <a:fillRect/>
           </a:stretch>
@@ -9693,20 +9176,14 @@
       </p:pic>
       <p:pic>
         <p:nvPicPr>
-          <p:cNvPr id="2" name="图片 1">
-            <a:extLst>
-              <a:ext uri="{FF2B5EF4-FFF2-40B4-BE49-F238E27FC236}">
-                <a16:creationId xmlns:a16="http://schemas.microsoft.com/office/drawing/2014/main" id="{970FF8BF-D9C6-496D-B76D-CA3AB2CEDF10}"/>
-              </a:ext>
-            </a:extLst>
-          </p:cNvPr>
+          <p:cNvPr id="2" name="图片 1"/>
           <p:cNvPicPr>
             <a:picLocks noChangeAspect="1"/>
           </p:cNvPicPr>
           <p:nvPr/>
         </p:nvPicPr>
         <p:blipFill>
-          <a:blip r:embed="rId4"/>
+          <a:blip r:embed="rId2"/>
           <a:stretch>
             <a:fillRect/>
           </a:stretch>
@@ -9723,20 +9200,14 @@
       </p:pic>
       <p:pic>
         <p:nvPicPr>
-          <p:cNvPr id="4" name="图片 3">
-            <a:extLst>
-              <a:ext uri="{FF2B5EF4-FFF2-40B4-BE49-F238E27FC236}">
-                <a16:creationId xmlns:a16="http://schemas.microsoft.com/office/drawing/2014/main" id="{3F10E016-3282-4277-8043-F5F569BA874B}"/>
-              </a:ext>
-            </a:extLst>
-          </p:cNvPr>
+          <p:cNvPr id="4" name="图片 3"/>
           <p:cNvPicPr>
             <a:picLocks noChangeAspect="1"/>
           </p:cNvPicPr>
           <p:nvPr/>
         </p:nvPicPr>
         <p:blipFill>
-          <a:blip r:embed="rId5"/>
+          <a:blip r:embed="rId3"/>
           <a:stretch>
             <a:fillRect/>
           </a:stretch>
@@ -9753,23 +9224,11 @@
       </p:pic>
       <p:graphicFrame>
         <p:nvGraphicFramePr>
-          <p:cNvPr id="8" name="表格 7">
-            <a:extLst>
-              <a:ext uri="{FF2B5EF4-FFF2-40B4-BE49-F238E27FC236}">
-                <a16:creationId xmlns:a16="http://schemas.microsoft.com/office/drawing/2014/main" id="{9B55EF30-B9D3-4F0E-AD01-90651E852437}"/>
-              </a:ext>
-            </a:extLst>
-          </p:cNvPr>
+          <p:cNvPr id="8" name="表格 7"/>
           <p:cNvGraphicFramePr>
             <a:graphicFrameLocks noGrp="1"/>
           </p:cNvGraphicFramePr>
-          <p:nvPr>
-            <p:extLst>
-              <p:ext uri="{D42A27DB-BD31-4B8C-83A1-F6EECF244321}">
-                <p14:modId xmlns:p14="http://schemas.microsoft.com/office/powerpoint/2010/main" val="2073150503"/>
-              </p:ext>
-            </p:extLst>
-          </p:nvPr>
+          <p:nvPr/>
         </p:nvGraphicFramePr>
         <p:xfrm>
           <a:off x="3922944" y="1145377"/>
@@ -9782,13 +9241,7 @@
                 <a:tableStyleId>{2D5ABB26-0587-4C30-8999-92F81FD0307C}</a:tableStyleId>
               </a:tblPr>
               <a:tblGrid>
-                <a:gridCol w="391604">
-                  <a:extLst>
-                    <a:ext uri="{9D8B030D-6E8A-4147-A177-3AD203B41FA5}">
-                      <a16:colId xmlns:a16="http://schemas.microsoft.com/office/drawing/2014/main" val="1528860886"/>
-                    </a:ext>
-                  </a:extLst>
-                </a:gridCol>
+                <a:gridCol w="391604"/>
               </a:tblGrid>
               <a:tr h="417007">
                 <a:tc>
@@ -9827,11 +9280,6 @@
                     </a:lnBlToTr>
                   </a:tcPr>
                 </a:tc>
-                <a:extLst>
-                  <a:ext uri="{0D108BD9-81ED-4DB2-BD59-A6C34878D82A}">
-                    <a16:rowId xmlns:a16="http://schemas.microsoft.com/office/drawing/2014/main" val="1647426482"/>
-                  </a:ext>
-                </a:extLst>
               </a:tr>
               <a:tr h="417007">
                 <a:tc>
@@ -9853,11 +9301,6 @@
                     </a:lnT>
                   </a:tcPr>
                 </a:tc>
-                <a:extLst>
-                  <a:ext uri="{0D108BD9-81ED-4DB2-BD59-A6C34878D82A}">
-                    <a16:rowId xmlns:a16="http://schemas.microsoft.com/office/drawing/2014/main" val="2567083564"/>
-                  </a:ext>
-                </a:extLst>
               </a:tr>
               <a:tr h="417007">
                 <a:tc>
@@ -9875,11 +9318,6 @@
                   </a:txBody>
                   <a:tcPr/>
                 </a:tc>
-                <a:extLst>
-                  <a:ext uri="{0D108BD9-81ED-4DB2-BD59-A6C34878D82A}">
-                    <a16:rowId xmlns:a16="http://schemas.microsoft.com/office/drawing/2014/main" val="3923147840"/>
-                  </a:ext>
-                </a:extLst>
               </a:tr>
               <a:tr h="417007">
                 <a:tc>
@@ -9897,11 +9335,6 @@
                   </a:txBody>
                   <a:tcPr/>
                 </a:tc>
-                <a:extLst>
-                  <a:ext uri="{0D108BD9-81ED-4DB2-BD59-A6C34878D82A}">
-                    <a16:rowId xmlns:a16="http://schemas.microsoft.com/office/drawing/2014/main" val="2289348639"/>
-                  </a:ext>
-                </a:extLst>
               </a:tr>
               <a:tr h="417007">
                 <a:tc>
@@ -9919,11 +9352,6 @@
                   </a:txBody>
                   <a:tcPr/>
                 </a:tc>
-                <a:extLst>
-                  <a:ext uri="{0D108BD9-81ED-4DB2-BD59-A6C34878D82A}">
-                    <a16:rowId xmlns:a16="http://schemas.microsoft.com/office/drawing/2014/main" val="414857650"/>
-                  </a:ext>
-                </a:extLst>
               </a:tr>
               <a:tr h="417007">
                 <a:tc>
@@ -9941,11 +9369,6 @@
                   </a:txBody>
                   <a:tcPr/>
                 </a:tc>
-                <a:extLst>
-                  <a:ext uri="{0D108BD9-81ED-4DB2-BD59-A6C34878D82A}">
-                    <a16:rowId xmlns:a16="http://schemas.microsoft.com/office/drawing/2014/main" val="1106829256"/>
-                  </a:ext>
-                </a:extLst>
               </a:tr>
               <a:tr h="417007">
                 <a:tc>
@@ -9963,11 +9386,6 @@
                   </a:txBody>
                   <a:tcPr/>
                 </a:tc>
-                <a:extLst>
-                  <a:ext uri="{0D108BD9-81ED-4DB2-BD59-A6C34878D82A}">
-                    <a16:rowId xmlns:a16="http://schemas.microsoft.com/office/drawing/2014/main" val="4198165514"/>
-                  </a:ext>
-                </a:extLst>
               </a:tr>
               <a:tr h="417007">
                 <a:tc>
@@ -9985,11 +9403,6 @@
                   </a:txBody>
                   <a:tcPr/>
                 </a:tc>
-                <a:extLst>
-                  <a:ext uri="{0D108BD9-81ED-4DB2-BD59-A6C34878D82A}">
-                    <a16:rowId xmlns:a16="http://schemas.microsoft.com/office/drawing/2014/main" val="2445377812"/>
-                  </a:ext>
-                </a:extLst>
               </a:tr>
             </a:tbl>
           </a:graphicData>
@@ -9997,23 +9410,11 @@
       </p:graphicFrame>
       <p:graphicFrame>
         <p:nvGraphicFramePr>
-          <p:cNvPr id="9" name="表格 8">
-            <a:extLst>
-              <a:ext uri="{FF2B5EF4-FFF2-40B4-BE49-F238E27FC236}">
-                <a16:creationId xmlns:a16="http://schemas.microsoft.com/office/drawing/2014/main" id="{C14F6CBB-492F-41A1-98C5-634438652DA8}"/>
-              </a:ext>
-            </a:extLst>
-          </p:cNvPr>
+          <p:cNvPr id="9" name="表格 8"/>
           <p:cNvGraphicFramePr>
             <a:graphicFrameLocks noGrp="1"/>
           </p:cNvGraphicFramePr>
-          <p:nvPr>
-            <p:extLst>
-              <p:ext uri="{D42A27DB-BD31-4B8C-83A1-F6EECF244321}">
-                <p14:modId xmlns:p14="http://schemas.microsoft.com/office/powerpoint/2010/main" val="1428083238"/>
-              </p:ext>
-            </p:extLst>
-          </p:nvPr>
+          <p:nvPr/>
         </p:nvGraphicFramePr>
         <p:xfrm>
           <a:off x="4314547" y="790692"/>
@@ -10026,62 +9427,14 @@
                 <a:tableStyleId>{2D5ABB26-0587-4C30-8999-92F81FD0307C}</a:tableStyleId>
               </a:tblPr>
               <a:tblGrid>
-                <a:gridCol w="433896">
-                  <a:extLst>
-                    <a:ext uri="{9D8B030D-6E8A-4147-A177-3AD203B41FA5}">
-                      <a16:colId xmlns:a16="http://schemas.microsoft.com/office/drawing/2014/main" val="941426192"/>
-                    </a:ext>
-                  </a:extLst>
-                </a:gridCol>
-                <a:gridCol w="433896">
-                  <a:extLst>
-                    <a:ext uri="{9D8B030D-6E8A-4147-A177-3AD203B41FA5}">
-                      <a16:colId xmlns:a16="http://schemas.microsoft.com/office/drawing/2014/main" val="1426408624"/>
-                    </a:ext>
-                  </a:extLst>
-                </a:gridCol>
-                <a:gridCol w="433896">
-                  <a:extLst>
-                    <a:ext uri="{9D8B030D-6E8A-4147-A177-3AD203B41FA5}">
-                      <a16:colId xmlns:a16="http://schemas.microsoft.com/office/drawing/2014/main" val="3293163238"/>
-                    </a:ext>
-                  </a:extLst>
-                </a:gridCol>
-                <a:gridCol w="433896">
-                  <a:extLst>
-                    <a:ext uri="{9D8B030D-6E8A-4147-A177-3AD203B41FA5}">
-                      <a16:colId xmlns:a16="http://schemas.microsoft.com/office/drawing/2014/main" val="206299002"/>
-                    </a:ext>
-                  </a:extLst>
-                </a:gridCol>
-                <a:gridCol w="433896">
-                  <a:extLst>
-                    <a:ext uri="{9D8B030D-6E8A-4147-A177-3AD203B41FA5}">
-                      <a16:colId xmlns:a16="http://schemas.microsoft.com/office/drawing/2014/main" val="464840370"/>
-                    </a:ext>
-                  </a:extLst>
-                </a:gridCol>
-                <a:gridCol w="433896">
-                  <a:extLst>
-                    <a:ext uri="{9D8B030D-6E8A-4147-A177-3AD203B41FA5}">
-                      <a16:colId xmlns:a16="http://schemas.microsoft.com/office/drawing/2014/main" val="3388527118"/>
-                    </a:ext>
-                  </a:extLst>
-                </a:gridCol>
-                <a:gridCol w="433896">
-                  <a:extLst>
-                    <a:ext uri="{9D8B030D-6E8A-4147-A177-3AD203B41FA5}">
-                      <a16:colId xmlns:a16="http://schemas.microsoft.com/office/drawing/2014/main" val="2305016902"/>
-                    </a:ext>
-                  </a:extLst>
-                </a:gridCol>
-                <a:gridCol w="433896">
-                  <a:extLst>
-                    <a:ext uri="{9D8B030D-6E8A-4147-A177-3AD203B41FA5}">
-                      <a16:colId xmlns:a16="http://schemas.microsoft.com/office/drawing/2014/main" val="3849225902"/>
-                    </a:ext>
-                  </a:extLst>
-                </a:gridCol>
+                <a:gridCol w="433896"/>
+                <a:gridCol w="433896"/>
+                <a:gridCol w="433896"/>
+                <a:gridCol w="433896"/>
+                <a:gridCol w="433896"/>
+                <a:gridCol w="433896"/>
+                <a:gridCol w="433896"/>
+                <a:gridCol w="433896"/>
               </a:tblGrid>
               <a:tr h="370840">
                 <a:tc>
@@ -10229,22 +9582,12 @@
                   </a:txBody>
                   <a:tcPr/>
                 </a:tc>
-                <a:extLst>
-                  <a:ext uri="{0D108BD9-81ED-4DB2-BD59-A6C34878D82A}">
-                    <a16:rowId xmlns:a16="http://schemas.microsoft.com/office/drawing/2014/main" val="851652317"/>
-                  </a:ext>
-                </a:extLst>
               </a:tr>
             </a:tbl>
           </a:graphicData>
         </a:graphic>
       </p:graphicFrame>
     </p:spTree>
-    <p:extLst>
-      <p:ext uri="{BB962C8B-B14F-4D97-AF65-F5344CB8AC3E}">
-        <p14:creationId xmlns:p14="http://schemas.microsoft.com/office/powerpoint/2010/main" val="2429374537"/>
-      </p:ext>
-    </p:extLst>
   </p:cSld>
   <p:clrMapOvr>
     <a:masterClrMapping/>
@@ -10293,7 +9636,6 @@
           <a:prstGeom prst="rect">
             <a:avLst/>
           </a:prstGeom>
-          <a:extLst/>
         </p:spPr>
         <p:txBody>
           <a:bodyPr wrap="square">
@@ -10309,10 +9651,19 @@
                 <a:latin typeface="微软雅黑" panose="020B0503020204020204" pitchFamily="34" charset="-122"/>
                 <a:ea typeface="微软雅黑" panose="020B0503020204020204" pitchFamily="34" charset="-122"/>
                 <a:cs typeface="Times New Roman" panose="02020603050405020304" pitchFamily="18" charset="0"/>
-                <a:sym typeface="Impact" pitchFamily="34" charset="0"/>
+                <a:sym typeface="Impact" panose="020B0806030902050204" pitchFamily="34" charset="0"/>
               </a:rPr>
               <a:t>时间轮</a:t>
             </a:r>
+            <a:endParaRPr lang="zh-CN" altLang="en-US" sz="2800" b="1" kern="100" dirty="0">
+              <a:solidFill>
+                <a:schemeClr val="tx2"/>
+              </a:solidFill>
+              <a:latin typeface="微软雅黑" panose="020B0503020204020204" pitchFamily="34" charset="-122"/>
+              <a:ea typeface="微软雅黑" panose="020B0503020204020204" pitchFamily="34" charset="-122"/>
+              <a:cs typeface="Times New Roman" panose="02020603050405020304" pitchFamily="18" charset="0"/>
+              <a:sym typeface="Impact" panose="020B0806030902050204" pitchFamily="34" charset="0"/>
+            </a:endParaRPr>
           </a:p>
         </p:txBody>
       </p:sp>
@@ -10336,14 +9687,9 @@
           <a:ln>
             <a:noFill/>
           </a:ln>
-          <a:extLst/>
         </p:spPr>
         <p:txBody>
-          <a:bodyPr vert="horz" wrap="square" lIns="91440" tIns="45720" rIns="91440" bIns="45720" numCol="1" anchor="t" anchorCtr="0" compatLnSpc="1">
-            <a:prstTxWarp prst="textNoShape">
-              <a:avLst/>
-            </a:prstTxWarp>
-          </a:bodyPr>
+          <a:bodyPr vert="horz" wrap="square" lIns="91440" tIns="45720" rIns="91440" bIns="45720" numCol="1" anchor="t" anchorCtr="0" compatLnSpc="1"/>
           <a:lstStyle/>
           <a:p>
             <a:pPr algn="ctr"/>
@@ -10371,14 +9717,9 @@
           <a:ln>
             <a:noFill/>
           </a:ln>
-          <a:extLst/>
         </p:spPr>
         <p:txBody>
-          <a:bodyPr vert="horz" wrap="square" lIns="91440" tIns="45720" rIns="91440" bIns="45720" numCol="1" anchor="t" anchorCtr="0" compatLnSpc="1">
-            <a:prstTxWarp prst="textNoShape">
-              <a:avLst/>
-            </a:prstTxWarp>
-          </a:bodyPr>
+          <a:bodyPr vert="horz" wrap="square" lIns="91440" tIns="45720" rIns="91440" bIns="45720" numCol="1" anchor="t" anchorCtr="0" compatLnSpc="1"/>
           <a:lstStyle/>
           <a:p>
             <a:pPr algn="ctr"/>
@@ -10388,13 +9729,7 @@
       </p:sp>
       <p:sp>
         <p:nvSpPr>
-          <p:cNvPr id="6" name="文本框 5">
-            <a:extLst>
-              <a:ext uri="{FF2B5EF4-FFF2-40B4-BE49-F238E27FC236}">
-                <a16:creationId xmlns:a16="http://schemas.microsoft.com/office/drawing/2014/main" id="{82E592D6-FC89-466F-B697-8773CA814F76}"/>
-              </a:ext>
-            </a:extLst>
-          </p:cNvPr>
+          <p:cNvPr id="6" name="文本框 5"/>
           <p:cNvSpPr txBox="1"/>
           <p:nvPr/>
         </p:nvSpPr>
@@ -10418,24 +9753,28 @@
               <a:rPr lang="en-US" altLang="zh-CN" dirty="0"/>
               <a:t>Tv  : Max = 256 (1 &lt;&lt; 8)</a:t>
             </a:r>
+            <a:endParaRPr lang="en-US" altLang="zh-CN" dirty="0"/>
           </a:p>
           <a:p>
             <a:r>
               <a:rPr lang="en-US" altLang="zh-CN" dirty="0"/>
               <a:t>Tv1: Max = 256 * 64 (1 &lt;&lt; (8 + 6))</a:t>
             </a:r>
+            <a:endParaRPr lang="en-US" altLang="zh-CN" dirty="0"/>
           </a:p>
           <a:p>
             <a:r>
               <a:rPr lang="en-US" altLang="zh-CN" dirty="0"/>
               <a:t>Tv2: Max = 256 * 64^2 (1 &lt;&lt; (8 + 2 * 6))</a:t>
             </a:r>
+            <a:endParaRPr lang="en-US" altLang="zh-CN" dirty="0"/>
           </a:p>
           <a:p>
             <a:r>
               <a:rPr lang="en-US" altLang="zh-CN" dirty="0"/>
               <a:t>Tv3: Max = 256 * 64^3 (1 &lt;&lt; (8 + 3 * 6))</a:t>
             </a:r>
+            <a:endParaRPr lang="en-US" altLang="zh-CN" dirty="0"/>
           </a:p>
           <a:p>
             <a:r>
@@ -10448,13 +9787,7 @@
       </p:sp>
       <p:sp>
         <p:nvSpPr>
-          <p:cNvPr id="7" name="文本框 6">
-            <a:extLst>
-              <a:ext uri="{FF2B5EF4-FFF2-40B4-BE49-F238E27FC236}">
-                <a16:creationId xmlns:a16="http://schemas.microsoft.com/office/drawing/2014/main" id="{C5F0A8C2-7F60-4C3B-8E85-6C4486C160E1}"/>
-              </a:ext>
-            </a:extLst>
-          </p:cNvPr>
+          <p:cNvPr id="7" name="文本框 6"/>
           <p:cNvSpPr txBox="1"/>
           <p:nvPr/>
         </p:nvSpPr>
@@ -10482,6 +9815,7 @@
               <a:rPr lang="en-US" altLang="zh-CN" dirty="0"/>
               <a:t> = 100000;</a:t>
             </a:r>
+            <a:endParaRPr lang="en-US" altLang="zh-CN" dirty="0"/>
           </a:p>
           <a:p>
             <a:r>
@@ -10500,6 +9834,7 @@
               <a:rPr lang="en-US" altLang="zh-CN" dirty="0"/>
               <a:t> % 256 = 160;</a:t>
             </a:r>
+            <a:endParaRPr lang="en-US" altLang="zh-CN" dirty="0"/>
           </a:p>
           <a:p>
             <a:r>
@@ -10522,6 +9857,7 @@
               <a:rPr lang="en-US" altLang="zh-CN" dirty="0"/>
               <a:t>) % 64 = 6;</a:t>
             </a:r>
+            <a:endParaRPr lang="en-US" altLang="zh-CN" dirty="0"/>
           </a:p>
           <a:p>
             <a:r>
@@ -10536,6 +9872,7 @@
               <a:rPr lang="en-US" altLang="zh-CN" dirty="0"/>
               <a:t> / Tv1_Max) % 64 = 6;</a:t>
             </a:r>
+            <a:endParaRPr lang="en-US" altLang="zh-CN" dirty="0"/>
           </a:p>
           <a:p>
             <a:r>
@@ -10550,6 +9887,7 @@
               <a:rPr lang="en-US" altLang="zh-CN" dirty="0"/>
               <a:t> / Tv2_Max) % 64 = 0;</a:t>
             </a:r>
+            <a:endParaRPr lang="en-US" altLang="zh-CN" dirty="0"/>
           </a:p>
           <a:p>
             <a:r>
@@ -10564,25 +9902,20 @@
               <a:rPr lang="en-US" altLang="zh-CN" dirty="0"/>
               <a:t> / Tv3_Max) % 64 = 0;</a:t>
             </a:r>
+            <a:endParaRPr lang="en-US" altLang="zh-CN" dirty="0"/>
           </a:p>
         </p:txBody>
       </p:sp>
       <p:pic>
         <p:nvPicPr>
-          <p:cNvPr id="14" name="图片 13">
-            <a:extLst>
-              <a:ext uri="{FF2B5EF4-FFF2-40B4-BE49-F238E27FC236}">
-                <a16:creationId xmlns:a16="http://schemas.microsoft.com/office/drawing/2014/main" id="{455F290E-67A5-4A4E-9DDA-7CE396388A80}"/>
-              </a:ext>
-            </a:extLst>
-          </p:cNvPr>
+          <p:cNvPr id="14" name="图片 13"/>
           <p:cNvPicPr>
             <a:picLocks noChangeAspect="1"/>
           </p:cNvPicPr>
           <p:nvPr/>
         </p:nvPicPr>
         <p:blipFill>
-          <a:blip r:embed="rId3"/>
+          <a:blip r:embed="rId1"/>
           <a:stretch>
             <a:fillRect/>
           </a:stretch>
@@ -10598,11 +9931,6 @@
         </p:spPr>
       </p:pic>
     </p:spTree>
-    <p:extLst>
-      <p:ext uri="{BB962C8B-B14F-4D97-AF65-F5344CB8AC3E}">
-        <p14:creationId xmlns:p14="http://schemas.microsoft.com/office/powerpoint/2010/main" val="1193467741"/>
-      </p:ext>
-    </p:extLst>
   </p:cSld>
   <p:clrMapOvr>
     <a:masterClrMapping/>
@@ -10616,20 +9944,6 @@
     </mc:Fallback>
   </mc:AlternateContent>
 </p:sld>
-</file>
-
-<file path=ppt/tags/tag1.xml><?xml version="1.0" encoding="utf-8"?>
-<p:tagLst xmlns:a="http://schemas.openxmlformats.org/drawingml/2006/main" xmlns:r="http://schemas.openxmlformats.org/officeDocument/2006/relationships" xmlns:p="http://schemas.openxmlformats.org/presentationml/2006/main">
-  <p:tag name="ISPRING_ULTRA_SCORM_COURSE_ID" val="FF06BB66-DAEF-4369-B8FC-1EE6358DF4B6"/>
-  <p:tag name="ISPRING_SCORM_RATE_SLIDES" val="1"/>
-  <p:tag name="ISPRINGONLINEFOLDERID" val="0"/>
-  <p:tag name="ISPRINGONLINEFOLDERPATH" val="内容列表"/>
-  <p:tag name="ISPRINGCLOUDFOLDERID" val="0"/>
-  <p:tag name="ISPRINGCLOUDFOLDERPATH" val="资源库"/>
-  <p:tag name="ISPRING_PLAYERS_CUSTOMIZATION" val="UEsDBBQAAgAIADkVvkgVDq0oZAQAAAcRAAAdAAAAdW5pdmVyc2FsL2NvbW1vbl9tZXNzYWdlcy5sbmetWG1v2zYQ/l6g/4EQUGADtrQd0KIYEge0xNhEZMmV6DjZCwRGYmwilJjpxW32ab9mP2y/ZEfKTuK+QFISwDZMyvfc8e6eu6MPjz/nCm1EWUldHDlvD944SBSpzmSxOnIW7OTnDw6qal5kXOlCHDmFdtDx6OWLQ8WLVcNXAr6/fIHQYS6qCpbVyKzu10hmR858nLjhbI6Di8QPJ2EyphNn5Or8hhe3yNcr/Uf5wy/vP3x+++79j4evt5J9gOIZ9v19KGSR3r3pARSwKPQTQCN+EpBz5ozM5zC5cMF8GhBntP0yTHoekTNnZD475RZRRAKWxD71SELjJAiZ9YVPGPGc0YVu0JpvBKo12kjxCdVrAZGsZSlQpWRmH6QaNopGdCnzwhmmQRKRmEXUZTQMnFGsy/L2JwvLm3qtS1BXoUxW/FKJzOqEnLHPb0pRgWpeQ04heNVrCb/UOZfFQafqCC9pMElYGPpxQgJvt+OMSJEhr+RGzUCUCMckAoCSV6J8hGxis8yKI6zUMIQpnUx9eDNjwlSu1gre9VA75gRiMBdFlxTkCIkgu+J4GUaecRqoQhzd8Kr6pMtsLz8eBqoLmAZuCCnosgfgzGDsgCHGEipHWYq07gKbkTjGE5KMw3NIZOBdOEQiPAW6nQ6RuCAxUITEXTIBPqMTbBLeUGyX/zt+pdyks7pFPE1BzrhvI3VTwY5xKbDAMq06GKYmJh8XEDaK/e/QuEUF79rVSm4E2FFmouxUBJXFJZ7Joo8L+ltygqlPvATSyguXCbMlz2jM+S0qdI14tuFFKtClSHkDuX4LzzKZ2Wcmzlb/X438G/F6W1VebQtS4JHzV0Pt2ath3zCrqcCmuhb5Td2l2jhsa/5jrDA5/V0T+hz9cfpjlwQ4ouHzRKaSeaPaqvvk+NxZNjRGnUY80VP9o/XclsRtbR1TKFhjqftLEOimpn9AA1T9pWhwAormbYmGGk6LqwE6g3ALEGj0WIwzcNWeCWfgwgHySzKOKYPZaCkuK1l3jh2WjW2Avh3aFOY8JWpxT8ZLcaVhwlGCb9rpA7qQjXRnQB8MN3utglHmg8kBAK7a5AFIJXOwP+uBuZiRnQfaAr93kqVuVGbJq+S1LfLg2yYXX49NV6XO7a7i1S552yZz/BQr2sNFrdL5gPZ/x7/e8XlAv8dHKSY4cqeJiwOXmEHfcFX1FAIKGFf4LE58PDbiwIWc1+kamumVboqsJ1A7q3vkBAPY9syx4GW6/u+ff3tifGFJu4u2u78OAgFimypI7sB+D3Qtqj+7QBge78vZRR+p7d1mJ9fzqsMoZOGz3CF421pyncPWQbdeSPJt0DBj2J3OgAexTXvdlDC6DUGY4egUapmdwp3RjJfXUAiZ1moQinW1ScB6mPb762VTK1mIIbJPayXmwIzOE+x59q4N5FMyvW57ZgY3inR76VZw6e4L5k5xAHX2CzyRyXogoG1NuyoERG/X9zTffN2p7laV/cvi8PWDfzD+B1BLAwQUAAIACAA5Fb5IzRbB6igDAACGDAAAJwAAAHVuaXZlcnNhbC9mbGFzaF9wdWJsaXNoaW5nX3NldHRpbmdzLnhtbNVX3W7aMBS+5yksT70soR1dOxSopgIaaguosK29qkxsiFXHzmIbSq/2NHuwPcmOY6Cgdl36g7QhIeLz853/ExMe3yYCTVmmuZJ1vFeuYMRkpCiXkzr+MmzvHmGkDZGUCCVZHUuF0XGjFKZ2JLiOB8wYENUIYKSupaaOY2PSWhDMZrMy12nmuEpYA/i6HKkkSDOmmTQsC1JB5vBj5inTeIFQAAC+iZILtUaphFDokc4VtYIhTsFzyV1QRLQF0TEOvNiIRDeTTFlJT5RQGcomozp+V8k/SxkP1eQJky4nugFERzY1Qil3XhAx4HcMxYxPYnD3sIrRjFMT1/F+1aGAdPAQJcf2oROHcqIgB9Is4BNmCCWG+KO3Z9it0UuCJ9G5JAmPhsBBLv46bg6vP1/1Wxdnne7p9bDXOxt2+t6JXCfYxAmDTUMhOKRsFrGVnZAYQ6IY/AadMRGahcE6aSk2VnLDOXdGIyUg97kWtFEyYrRLErZWjcENl22Q3MNoDIGIeR1/yjgRGHFDBI9WytqOtOEmr3p7XRIBFrQnQ+cDfG/eZyeKSabZultLjnY5jxrflBUUzZVFgt8wZBSC+G0CTzFD68VB40wlORXaxyAtOFiccjZj9DjP6QLwT4auwERiQRN6NRXMeAvfLb9DIzZWGeAyMoXOBjrXHr/8LOCUaH0PSpY+7gzOOs3WdafbbF3uuAAJnRIZPRMcCs6S1GwFn8yRVGapB+mIiNUsLwrlNOcVia388jJonljhy/zWxViD3mJJtmPlOYX5qweFzcZkmg+iG64cGkaQQ0k8JjAiWBdcWlYUMCISKSnmiESw1rQb6ylXVgPFD7CH1i/30OsjLvPTBFYbWMwoywpBVvb231cPPhwefayVg18/fu4+qbRY+H1BnDm/8U+eXPmrtf9wG4aB29KPL22T2X9zZ/cvWl+L5LXbuhwWKmlrUAiuV0Sqd1pE6sK/ZPprL5hCLsBSmvghg7UkeMINo2/ZYi9ok1e9232PbadNthjza0bjvwnZn1bXxI17YRg8enF1nIRLnkAi3Epc3XYbB9UK3DQfZZVKgLb536FR+g1QSwMEFAACAAgAORW+SHMKv3S0AgAAUAoAACEAAAB1bml2ZXJzYWwvZmxhc2hfc2tpbl9zZXR0aW5ncy54bWyVVm1v2jAQ/r5fgdh30r2ySSlSS5lUia1VW/W7kxyJhWNH9oWOfz/bsRsbCGRYlfDd8/jej6ZqS/niw2SS5oIJ+QyIlJfKSLxsQovradYiCj7LBUfgOONC1oRNFx9/2U+aWOQlltiBHMvZkBx6M3P7GUNxNr7NzRki5KJuCN+vRSlmGcm3pRQtLy66Vu0bkIzyrUZe/ZwvV4MGGFV4j1BHPq1+mDOO0khQCoxL31fmXGQxkgHzlq7sZySnN3U++gPajiqKlnbzyZwhWkNKiJN83jtdGP16XJW5OecJCH9RQ798NmcQysgeZPz43VdzBhmiaZv/6ZFGitIkNOacL+I7hwlS6PEzXl2Zc5FgAjKGLlbBpcfGeheA3Ndw7lMzrlKwR5PXg4Vgip4xWKBsIU38rdOpSrw9tKjnAxYbwpQGhKIe9KidfiSt8s/Esh73BG+UFwHICXrEq2BtDcvO3wAYy3v8cnlrV0Xo37sscFDCzgkDD3thj/yj03qEDIQ98pnRAh442x/BDzUdx5f4lrhins++1gIn+urz5W9eayytzeCqwLQTeEwtClgo484LrcFULU2srHMpOfIp5WRHS4JU8N8Gl+1tMCpNDhSu0073VYoUGZxqN+ujXtJhvew97kanjdux+1Hog+vuE9Q7/HpKEEle1fpHSU0njqeHRCdmmpxmmC2p4SDv+UaM5NREbkG+CMHGWuECIcTayIbAopusIXiaBClIk9NJTt0jp7LP2zoDudJFo+C7JpZ1uIqWFdN/+ErhDYqYMKDsmFjp5zih700ZCFwHAJF55Vu2u3SaumVIGezAD34gsAEPRZYq3aJD3XaDa9hg2G9OMqoh3Z7oGyXExYoThFftl4g3TqgY0fNIMmUji8beb+D+5Wgn+1VmWi/cYvbuOil6WOuPM6iF5j/Jf1BLAwQUAAIACAA5Fb5ILE+2i/0CAACXCwAAJgAAAHVuaXZlcnNhbC9odG1sX3B1Ymxpc2hpbmdfc2V0dGluZ3MueG1szZbdUhoxFIDveYpMOl7KqrXVMrs4HcHRqRVGaKtXTtgENmM22eYHxKs+TR+sT9KTDSCMlq6OdMoMAznJ+c5fcpL46C4XaMy04UomeLe+gxGTqaJcjhL8pX+yfYiRsURSIpRkCZYKo6NmLS7cQHCT9Zi1sNQgwEjTKGyCM2uLRhRNJpM6N4X2s0o4C3xTT1UeFZoZJi3TUSHIFH7stGAGzwgVAPDNlZypNWs1hOJA+qyoEwxxCp5L7oMi4tTmAkdh1YCktyOtnKTHSiiN9GiQ4Dc75We+JpBaPGfSp8Q0QejFtkEo5d4JInr8nqGM8VEG3h7sYzTh1GYJ3tv3FFgdPaaU7BA58ZRjBSmQdobPmSWUWBKGwZ5ld9bMBUFEp5LkPO3DDPLhJ7jVvzm97rYvz88uPt30O53z/lk3OFHqRKucOFo1FINDyumULezExFqSZuA36AyJMCyOlkXzZUMlV5zzYzRQAlJfamE0BE/FNMEfNScCI26J4Oli1hI9YvaEC4jB6+7Wh9LiB2CIN82INmzZ0HzG+CymzW/KCYqmyiHBbxmyCkFELod/GUPL6UZDrfJSKoixyAhOGRpzNmH0qMzSDPgnQ9dgInegCZuvEMwGC98dv0cDNlQauIyMYauCnJvArz8LXBBjHqBk7uNW7/ys1b45u2i1r7Z8gISOiUyfCYcSsrywG+GTKZLKzvUgHSlxhpVFoZyWc1Viq7+8DIbnToQyv3YxltAbLMlmrDynMH/1oLLZjIzLg+gPV4mGI8ihJIEJEykcdy4dqwpMiURKiikiKTQq44/1mCtnQBIOcECbl3sY9BGX5WgENwdY1JTpSsid3b23++/eHxx+aNSjXz9+bq9VmrXwriDeXOjhx2ub+KKRP+6GceR759Nt2Gr3r7pw97L9tUqmLtpX/UpFavcq4TpVVnU+VVl1Ga6N7tKVUckFaDOjcGyg0Qiec8voa26aFxR+/f0btsUrFX6DUazdvv9vEGG0eG6tvK/i6MkHYA3kq4/pZu03UEsDBBQAAgAIADkVvkjtpyr3oAEAAC0GAAAfAAAAdW5pdmVyc2FsL2h0bWxfc2tpbl9zZXR0aW5ncy5qc42UTW/CMAyG7/yKKrtOiH2y7TYNJiFxmDRu0w6hmFKRxlGSdjDEf18dvpo2HcSX5u3T17ErZ9OJysViFr1EG/fs9h/+3mlAmtU5XPu6aNEz0pkR6QwmaQYilcBqSHH49ChvT0TImElnOl1/kq2p+DGkN3MuTBVXAQsd0ExAKwLaT0BbhRL/epXtq9pVVGnzNLcWZTdGaUHarkSdccewq3e3qgXWYCxAn0HnPAbPtO9WG3lyfOhTVLkYM8XleowJdqc8XiYaczlry79YK9DlD1/ugN5z/23o2YnU2JGFrJ54+ETRTioNxsA+7+OQIggLPgVR8e259Q/qGTcLqtFFalJ7oF9vKKq04gk0utQ8QtnQ0qvRzT5Fk7Owsjvi7pbCIwRfg25YDe4pPBBVri74gUpjQh1poM2eH1GBfJbKZJ+6RxHk6LBk29a9U6Hu+APmjRDWRmgRmMis7eK4YOptcHBNLes4NPMiJIbyYkBToY+Lo+idxtavEdp/RYxby+NFVt4O5c1IHQdTPoMeyTmSkHG9BD1BFGU93+dOXk/e2f4BUEsDBBQAAgAIADkVvkg9PC/RwQAAAOUBAAAaAAAAdW5pdmVyc2FsL2kxOG5fcHJlc2V0cy54bWydkbEKwjAQhvc+RbjdxG6lJHUT3Bx0lpqmGmkvJZdaH9+UinSRgEMg//F9PyQnd6++Y0/jyTpUkPMtMIPaNRZvCs6n/aYARqHGpu4cGgXogO2qTNq8wKM3ZAKxWIGk4B7CUAoxTRO3NPjYQK4bQywmrl0v4ukditkUw6LC4pb2L/szgyrLGJPX0XbhgFW8x7QgjLxWMDsXjdxi60D8AhqTAEyqwVACaH0CeAwJwI8rQIrvm+ekRwrxo2KQYrWeKnsDUEsDBBQAAgAIADkVvkgM0rasbgAAAG4AAAAcAAAAdW5pdmVyc2FsL2xvY2FsX3NldHRpbmdzLnhtbLOxr8jNUShLLSrOzM+zVTLUM1BSSM1Lzk/JzEu3VQoNcdO1UFIoLknMS0nMyc9LtVXKy1dSsLfjssnJT07MCU4tKQEqLFYoyEmsTC0KSc0FMkpS/RJzgSqftq542bxCQVfhyf51z6bsVNK34wIAUEsDBBQAAgAIAESUV0cjtE77+wIAALAIAAAUAAAAdW5pdmVyc2FsL3BsYXllci54bWytVd9P2zAQfi7S/ofI79gtHQOqBMSQ0B7GhNSx7a0yiZt4TeLMdgjlr9/Zzu+lbEh7aJWc7/vufPfdxb96zlLviUnFRR6gBZ4jj+WhiHgeB+jh6+3xObq6fHfkFyndM+nxKEBlzg2ApsiLmAolLzSA76lOAtQzYGBGXiG5kFzvgfsUuNtIJ0v07mgGLrkKUKJ1sSKkqirMFSDyWIm0NCQKhyIjhWSK5ZpJ4tJAXoNd6b+j4ZeJnOh9wVQPWei3B65JWo5nxQck1RILGZOT+XxBftx9XocJy+gxz5WmeciQB5Wc2VI+0nB3J6IyZcrYZr5Lcs20NklY28zXK744zz0lwwA5h03GlKIxUzjNY0QclkyA/W1KVVLzqAGt4VU7XvNav4153zRutnOkcy7Kx5SrBI76kM46CfTJMKqf2etaBT00Cro1TMiT7FfJJYvs67dWjPMFcgFbxdk8sapCOICnWxpqIfc3AAMV1R3EbdOwaxq2oJYDt9HXHQVqbrtlVJeSNaWa+U88YuILlZIaWVxqWTKfjIw1lgzBPnFXrpvUNcRPdJae/kNvjN+oNT/Va52xgP/RmE9A1NaE5xF7vuXgo1kGNdUMim1sWBcpNjG7nFT5mPV0PTC5HOumwEU8TWXMYAwjqinp7OQQlEmqwCUs5QjbOzgITnicpPDTkwzj04M0GZW7SYbewUFwKsLdBLQ1t2Uk4zqOxNQqyCcT68QPS6VFxl+sPAd7Rq+sDl8buebouuDtwdn8j1EcxGgGc4smVpd56u2r5vDezKlWnc+mcJaBWmEemC4L59XMQlmMfCK2pWWqb/o5NfuwBx3lPDUd01zfQe+iWvMX5lU8Ml+6xdLUJGFGMwH6cL7sMUA/YbsMwlvToYhbkTd1wJjYN/dvK9ps+bp1ruuHOuxDDZ84qxzGzdRHUEcsRZlHox7iovuIqBR22rVk1EvZFm60OAGRiiJA7+GhvvPF6UV35bPFRYO1ed27wC6XN6z0OuFOQaTWdXsRv94N8PgbUEsDBBQAAgAIADkVvkg129mtaAEAAPMCAAApAAAAdW5pdmVyc2FsL3NraW5fY3VzdG9taXphdGlvbl9zZXR0aW5ncy54bWyNUttqGzEQfc9XiPyAJY1uC1uDrsWQh0IT8rz1qmGJoy0rhYSij682rXHcurSap5lz5gwzOn1+nJJ9zmV+mr4PZZrT51jKlB7y9gqhfj8f5uXTEnMseXOq3E9pnF926eu81lo1lyGNwzLaFc1bjMLbQ0pq5VTLmGEUSeapV8h5bhvWgevANsxRYvvNbxI/dZe4j6lcVu03Z+ifDbuU41J2aYyvWzhnv4fON/i4DOPUeHkr2Br1OLU6tgZihEvuK9UAIJDljjhcpeykJshjxjFUoyhQQIRz0olKJOXQstCJpsJ8JxCTjFFXqaetG2ltHLVVQkeIbtO86mwNwUiMESEEmKtcQDAYNTY0DQ1qPSA4MCCqNpooQMEGE1j1zgvLkaJeYFyZMYDx6bin7d6f61T973WO5/yH4MUvuIiu3tpcMFe/f16WRr6NT98OQ4noy5DjbvxwHe5ubq5/efLNv0fGatS28V99/QNQSwMEFAACAAgAORW+SNrVd8wyEwAAEV4AABcAAAB1bml2ZXJzYWwvdW5pdmVyc2FsLnBuZ+3caVhSWdwAcMvJmXFrm3C3xcnKRAfN3FLLZWwm16xMXFKZcgvRTE0RKZuyRLFmMTOXxBLU0lQEN7AytUUlAiVXEnJDAQ0RFZeXZprnKed95+P76fo84gPHc8/vHu793/85H/7XPdycVRQ1FeXk5FR+Oux4VE7uK7CcnDz0GwXZJw+VSYuyP2tijjrby5V3ao/L3nwVcsj1kJxcZabSYtA62ftvow77xMjJqTZ//F3ThiD8IifnX/yT46FjFwL4A+6YyV8G24ZEOUlrqBd7VNvt+681HDpzouju3bFtVpgnG7/y3BB7f7dJ81nHr/zH7qbcvbZtB6/VbhvBWmfFkyaaGK3bOXKM53Y0z4ptizLbl2hVwmP6e+N/c99ZsrfhCSuejSJLJ6tpcQVJH170SKTCJmGf+g+P5eSVP395fEYBepmg6+kfPBd7f4mLMaa+Pbvm2frp1DUK6oEXP38ZUSfY0qmduBZzdpLeScIZ5dXH2hB018oJ5T8/lLp1ByjUDQ7JNGhbPdrwDx4Uzs95ppxvm7Tda0d7RO1f/keUp/KxitoPskOkgVRXgi6uUlzaLd+1t9zvj6fBll0HVwONbq2h2/+EMQg7cfBWxLr387NJpp8PvV0edyV0O/Rf6rCDRDnTTcW9pSSTL5uugWQdnqw6g4P31tDXth/OTivFvfyyaRtU1mGd/KppuangqPSDXpBBaZrBl00XZZZroNWT6Ki5Afw4/dcSgkHpqqb/xONKCQAewAN4AA/gATyAB/AAHsADeAAP4AE8gAfwAB7AA3gAD+ABPIAH8AAewAN4AA/gATyAB/AAHsADeAAP4AE8gAfwAB7AA3gAD+ABPIAH8AAewAN4AA/gATyAB/AAHsADeAAP4AE8gAfwAB7AA3gAD+ABPIAH8P9PeG/qyrI0DwFbXddKTj5MNgT9R2LwqhpS295cDF1z5vt2Yn1IwnchXzS9m/nYxZ4Y+L93cVknmlnHyNaK+bzxsOl/nmBxl82rIgvTL5rw5v89J9l44+zW/uzPOx3MWSNzbQCvqnilfm3fIwNokpRPblA7lRQtGSvKFOheeHdpQCe+f6PE/9XxV96vfF7dOYExzEx58flQt7oeRxWYRKPPCUy6bENQK6KCFT8i2yezKZIRaSeR7Owki5MlnNDp4VunBIK60fzaw9FjL8qGHw5TH+z9KrMPs/1z+z31uRmGO4y9aKuvyEwOsSENWrAOqMELEjtrmZfkY3TRiKRWhpozJiQ/YcR+HWZ/bU3/ka9DOheNG6eellNH25Es/3i+7fz738tGlmjo5Wrk+5vOndSCRF6Jj8RsVHIbv/J0ZhApXLKaNabMvEG0Js81MpO8uD40H+QydYFXxm4nzyTkmZzTbSoiG663nXsneM090M1I2FpYMxtq8Iq+0mAxWxeHhP1TasxLgdfxnlkkHp3MlowkfHixq0EaY+YuTDbizSRG0qQXL7XQOThQIVQgCkjoxr5XMe+PIjVbjVIRFHF32UjZO0+7Cp33C8sDwuT4WbalJCSfe0o5fHLvCWb2yjwNbStd0WSlrefXEcLQc81b9S97DZSPlPR1J/ET9qhtWQtdJKwIbUKk6cTT1iPx2tCsxAdi9ZcfTsySbO0jBPRjWdy5ptv5QYwMyKfZddEgmGfqJo4VTsSlUq5cHWQ/dlLZFHOrIZ8ranRs5oRC4g9tHp0Y8jGhxH0I/7pm2XoXlLkRJI2DTuSJh7DBSPOkF1XZ8QNKDpiN8EXe7suKW8RC0u/s4uN3S0dLl/0LS2xCwInE+ZcO1h+Kdzyeeo7RQjRGI+ZCyXkmVbPxTFio8+xHZXuH6ASd851zaIdlzstzD6S+lVhI5D9F23QVeImXr0uvj1JcKJVWQvatC2ixn6Q1SHCeHjy8JbgvaCZGz4E/g3W3eyv53vIN57zxN/w/MEMiD2uJWBjtUpo3H/edYwsepG/gqIxgHzhmqL7VjI4l3F7g5v6FEO7FU06HBRWRk2K8DaQj1i0boTHY4iptvFRq1YrpS8z/+26oXVZm1qhuii8nnyzOZ4OTQ3pRnRSqM+JBeH1opQmU+CRPC8zLm5wWq7a6e/B3k+NFowcSRiwjT1OFdRH04EZ5u3SQdEfb22bqPNIz8OVh3+KaJpigaiZLqI7AQ6/PZtHPaUvMGVqnGBnGn76dSVMPvKIfjVWpjoDNLqu61bgmPkS75+m/0cJYMpwwm50wKJZBqLtHS3qO0cncuJ0FIHBx+jWQyO5oHfmNdVcasuPcpD41Hymo6xL+PJPVPMMoj0knT5/563QeKJSPKrkL+qiTNjR8r77rnI24spwyPeaqBnbbAOYRb5RMBBx7RIiAtdcdhglf7EP1KAXlcSDKTs0RUCYttUDRtLG4JSp34nz+0K6nxI+f9YohvYup5WHRz59Xfjw1vwk9cH7ywviAVNjUJJ3jZsZHxDORaHk8NLrCB4vqCOZbtFO+OYawdD1FcoMEtGL+rsJXptI43apVxr5o2UXqS1jJz78sWkaNSySd1kLtLUblPkR1xN31Xy+8JsLyb+jmmzFGc3XPjRV9HzFai3OSztxYEFIznfyrz0bGzF2pbq2zt2+wfTE1k6sIEjceOxYeVOKUPnTFIpVcItW4ej1NpbkvXa91an5cIyz69AuhesC1mM4qv7LQ6Uz0IkwyP1qwMkJblsWpADGn27TpzBKkxrDmsZeEfMaydYJSA/vBr3jwXHYkN+dTyCTteyTeRX7YQ7JugSfCEtNOH17QibEbR4T3O2L0MomEvDdD1h+kCom8Rytx0MOuW5MlggqJc+DColqB5oTVEo7qey+U611417VMb3cvLVWNc/ZQUYd5kgAaSAjbYqqKMnEWzhRCSfebivyvVWchO6u0FXe15eRAw7oVJ+8gqPOxaMoymn0TtLIsaaKNlOmtV/V3qSbnHjkxKEaG+xRznnXTOQ1Cat/x1z5V7Udo+MmMW+Mi1s7Wlychf99rNZdgtoPEwccaaNbNOjgST/JPZUQgpyvbdBvCpWHsJSYtvKFqoI1a5DtBDacuCN/wK/Ov3Jd4i1hVTJj2IAkMs8EuJNhgS9p8GRGL4QtR2hOjsU1iUe9yXv1Sb2XoK2S7GCybiyKn9ffGAx6rzyWfc2LjDq676OAMYobpNVeQ2clIoSoK8WCUepCpdNDp8qyZ7aYHy5TjREJbNzVcAzv/7PfBC9mRS88+xVtfDUKERvvAbK85mymm9mKR8ApXVBcJ1kArSQi3Jo6E9SVx4eVx30cprT2iewThcqufNRetrPcz3I7lLe2J6ktk9yiJr55EqZAhewOZ3lqZLw7xz1bQElwiKhAfkwXnvFNM6eV9A0pBGm/Jm8o29VPDnZdep0WGD1uq6tggIpLbLNyIaMRGMHR4K9aVEliuokaZ/mGAvevTPXw26N3l9bYWBieJ5td6seetNQNrYwZwLVHIR2sdrNPILVeH4LNwJZJ5+lVnCBM+UUZqHplMN7bpje1AkfhDiUn8WS865/USuY/JLYe3g+Ct0cUZwinLk9X93L4/Mu6PyHKKYEjO/eftwpYotmK5jo3n3kEH6+GHy6qZtoQ/+VTeQHWcC1G9LU2EBXGbN5X9ysI8h+Cvz7Q2n0ff+RRiH125JJoj3kBVFuosefSdl+KclhZrWAHSDvrXlFA61lZdIU1RXVwzixujQPyrRXZJmyuu5JjRccnxWm1xv7RS9fLJaaDTRea23HFZ9lap3nH0lxFJ8IWxG02JQZZEjm6+EX3voE3EC3owu6oLMwZh1YxlpI4v79f4O9cIVJKPiHvZRg7rQ9WI/NjgH5laVs2hntaDfCtlbkLvRi0ptldHQCAXmfbGefeVsHmhLDMug3ME7JtxqEHXeakxPvH5XOh1UDiP1KxnfvVVjexiYVcyc0Ojt0GTZujODW1b0YvKz6Yakk8wslRJ85TdfifkU3FOQi+T3pYU6E+2Qj3t3irXvBST2F9bTryiIzf6ngsYPi0eifZl/Z2eRsFVZkghIy4Fvfsj1G6ete5qxtSzOpN0Oqz7A0qlJQUsrHQKeeE7J4yOmB0Xflg4M+yQWTiK6OSy1aLD5/u45W2Wsfda5iqx7O+180EmsQupodMrapVa9tq2e2B3I/KZKPL4UBhj7+Hvuu2Wxt0bmpb4iIbUrclz5mwJG70ikEUjbs8BTkuN//ZOlFtHPLwAD8MSQ8lwY33flhSMLFy3xLDHd3g5w6LQ8AEtNJf2l9pH5cDUY/my8nWQwV0PihR7b4K47tPqBbpv4t61WY9RGA68eFVjjx43FQ3009bfUG8GRdT31KuIRzWPX2MdI/Hx6ZnEsYGVqX18zYJp/G/pmb+MD7B/G//4RbutH89V/SBmnRIuf7jVNGng8h2zRLgr/wLnbH4OObL6/LsOodOkieyO2RGxt6fE4U0rOSx1XKd+21GEy/qHHkh68FwKXdUst74JlgXj2aZ6P9e9ionjY2D2cESCK5n6Ka2+tFMhACXuirkOSjVaWyfMAcGR0Yvj22OM9C0PBMMEs+N7yOtSp09fuPeMynBQhYtISlRWtjKsY8710UMscbfWEcOuRrf1Gk7pVqUc2dPjgLrh1e1FIw/7DHUuiHynT+nLS0/kNrs/H8vbYdKoPkrd1C9oMi+O2Ts1deyP6Zs6XIZT97OUuleQfITFmS1GPDY/jRaRVWQeUOzrDvlU9hUqn2m7MOY5hIv/9RkTn0o0x/XSv/bCp6Y7/Gj9FDci9I95SAaztKoH+XjsUV0jUZT0QpLsQpi5AdrNc7kUVyiJU3RF9nPNFcjXQKdx5vulxRjQ5dBpWUKalzcbPfYNBsWIpM6PDDQtiysGZJF7QpqS8UREs0PHad4QjkMIvPozwyaNHcy0hJNE/FOnpY4aHdFQyM8VPT+d+rDWcy/P4VBgGeNY4isLZTUv/NuODIs224pIhEPWp+dVsfLH9L7MjkQhnQ53lnocIMCZOSGL326t2Txo1NkjCGG7LVpAmW5JdxAvzJ6RBvXhkibEAd6+m6Dvw6maFSVtUO7xvj4z1KJ+YEPB0B4IPClTxQI+PzF2w6TyTN52qDLOyT+wujwIorpZ/J66vDARwubjLjYnLC+wmgQCiiTgCSdlHQZ0+ytMMtGn+tztzeDeEhX4aIMiomEhZomch2AVSzrBk+AQ42/S8ayXsbyopxFbwOEabc4pLuAjiAMu5MJ/Vh6+mnOyQIu16g0eJ/m+XKRAXH06vYzarIWN1QYnmScDqkOjX67JkZZz4eSBuLjCW0E3CIpmtim45P25eNWYuvHiO7JIyqm3CS4ic/iudjOSgJ0NeWiLWP/rVpygpOn7Xsf5ZhOlsNYiibS1EJ/RkzM9BsaP7//lUwx7d1LemDrHua+kRoFMwIX+CEZBwsjtrif2RHV/GqfbF0Hh7caUeNm2OsMWZQ9nNfDHuM2xJ1O2IHToHpCoC/WH+emspj5nd7GgqBjfePBsjbbXk6c3Qft3I0dcQn79awyo5oWxwlSj47VjGeJcfu/E6fwF4o0a/BVi9Pl7LYG7jhBrc1nvoxKf11jbvG/0bt1jvEHttGXiq7B6Fb9PSzqL9fKnkueHPVlkCyG89aGwwvyM78ryPemKbI3VgDCcbT1CVHfEoPCpzDoutwjcyqqRHa4Fq4NrmaXjsPfeJg77yNZBT6u19zcm/viJdfESXJlppkIa1HWpW8kv/GO4P9Fy8AI3QzCbgHiQq1s1ynWT+F8T/ekdMG/mx1zJdFcpUYrudi5YmLmB0TB2xPCLnPLaSOKfozvrzmXB7mTcsDTePwKZ/Sf9T4NXPiRbjvajaQu50toxUXvPfmEGg8dwcJt2Gwa5v86ND2IniTqqIzYZLj1n+EbWnZZMVtPSQGpTOaCPi6pYpE6aKA0iSyyk9CvnJxzWTggbkp0RLSGWZw3F6dmd3/x9/fRpEoqY5LfsI3W0+qsONI+O36safQ2dbdookJMmqOnx7Wo12A6wTTwbJREsS4UFOkbhg/Udvx0yF5L22nPvWFJjbftAxkdjC450/lmtfdt2cSAx4NPCQVuBlLw5DJM3tVNiGdIkwgm8aBqpdQh9o3nkKW2w0Y6qnfKSnpACPq8XJBmIZz+Jmn622T23w0vUDc9Srk8wblPsEU0mnPlsKyFcXqz/xskmZeU1Vtq/1ImpdbcxP2mYYBotYLdyQj3jG7us/4xRCB4/cIR95WGb90bOUOrWwa6gaTF7enwHekXKprntIYSlXFHD1aHPjsCufFYDe8U06ubsntHJy0YDwsbJTPQL9pPS0Mr3an7vE07JYvGALJmpLcu010lm0cJ7nZLPZg0o6a/aralfQw+e+XbHuHv2cPXRVVW2aw0/7oI83aj3f2zCJPiUFraV3PhyT4OhUL4oaVqpYRj4/avE+ME/LvG2eCcvTrcRrhzNPvbj6rrd6oSAaFkCn7wRzNz3r7ZrJh4UzksBukkbXhhYkr3adE+d4OZ5KoSOo8pWMXgC7jcTj6zmreDVWyt4Uw8UDrWkCeZ9bbeyKBLIHtwbjLU3PfvXptEuMw8bXP2zqQm0nOabvltIbJ6SnOznJyc3x3L7wJT/AVBLAwQUAAIACAA5Fb5IbUCbGUoAAABrAAAAGwAAAHVuaXZlcnNhbC91bml2ZXJzYWwucG5nLnhtbLOxr8jNUShLLSrOzM+zVTLUM1Cyt+PlsikoSi3LTC1XqACKGekZQICSQiUqtzwzpSQDKGRgYooQzEjNTM8osVUytzCBC+oDzQQAUEsBAgAAFAACAAgAORW+SBUOrShkBAAABxEAAB0AAAAAAAAAAQAAAAAAAAAAAHVuaXZlcnNhbC9jb21tb25fbWVzc2FnZXMubG5nUEsBAgAAFAACAAgAORW+SM0WweooAwAAhgwAACcAAAAAAAAAAQAAAAAAnwQAAHVuaXZlcnNhbC9mbGFzaF9wdWJsaXNoaW5nX3NldHRpbmdzLnhtbFBLAQIAABQAAgAIADkVvkhzCr90tAIAAFAKAAAhAAAAAAAAAAEAAAAAAAwIAAB1bml2ZXJzYWwvZmxhc2hfc2tpbl9zZXR0aW5ncy54bWxQSwECAAAUAAIACAA5Fb5ILE+2i/0CAACXCwAAJgAAAAAAAAABAAAAAAD/CgAAdW5pdmVyc2FsL2h0bWxfcHVibGlzaGluZ19zZXR0aW5ncy54bWxQSwECAAAUAAIACAA5Fb5I7acq96ABAAAtBgAAHwAAAAAAAAABAAAAAABADgAAdW5pdmVyc2FsL2h0bWxfc2tpbl9zZXR0aW5ncy5qc1BLAQIAABQAAgAIADkVvkg9PC/RwQAAAOUBAAAaAAAAAAAAAAEAAAAAAB0QAAB1bml2ZXJzYWwvaTE4bl9wcmVzZXRzLnhtbFBLAQIAABQAAgAIADkVvkgM0rasbgAAAG4AAAAcAAAAAAAAAAEAAAAAABYRAAB1bml2ZXJzYWwvbG9jYWxfc2V0dGluZ3MueG1sUEsBAgAAFAACAAgARJRXRyO0Tvv7AgAAsAgAABQAAAAAAAAAAQAAAAAAvhEAAHVuaXZlcnNhbC9wbGF5ZXIueG1sUEsBAgAAFAACAAgAORW+SDXb2a1oAQAA8wIAACkAAAAAAAAAAQAAAAAA6xQAAHVuaXZlcnNhbC9za2luX2N1c3RvbWl6YXRpb25fc2V0dGluZ3MueG1sUEsBAgAAFAACAAgAORW+SNrVd8wyEwAAEV4AABcAAAAAAAAAAAAAAAAAmhYAAHVuaXZlcnNhbC91bml2ZXJzYWwucG5nUEsBAgAAFAACAAgAORW+SG1AmxlKAAAAawAAABsAAAAAAAAAAQAAAAAAASoAAHVuaXZlcnNhbC91bml2ZXJzYWwucG5nLnhtbFBLBQYAAAAACwALAEkDAACEKgAAAAA="/>
-  <p:tag name="ISPRING_SCORM_ENDPOINT" val="&lt;endpoint&gt;&lt;enable&gt;0&lt;/enable&gt;&lt;lrs&gt;http://&lt;/lrs&gt;&lt;auth&gt;0&lt;/auth&gt;&lt;login&gt;&lt;/login&gt;&lt;password&gt;&lt;/password&gt;&lt;key&gt;&lt;/key&gt;&lt;name&gt;&lt;/name&gt;&lt;email&gt;&lt;/email&gt;&lt;/endpoint&gt;&#10;"/>
-  <p:tag name="ISPRING_PRESENTATION_TITLE" val="888"/>
-</p:tagLst>
 </file>
 
 <file path=ppt/theme/theme1.xml><?xml version="1.0" encoding="utf-8"?>
@@ -10899,12 +10213,8 @@
             </a:prstClr>
           </a:outerShdw>
         </a:effectLst>
-        <a:extLst/>
       </a:spPr>
       <a:bodyPr vert="horz" wrap="square" lIns="91440" tIns="45720" rIns="91440" bIns="45720" numCol="1" anchor="t" anchorCtr="0" compatLnSpc="1">
-        <a:prstTxWarp prst="textNoShape">
-          <a:avLst/>
-        </a:prstTxWarp>
         <a:noAutofit/>
       </a:bodyPr>
       <a:lstStyle>
@@ -10918,7 +10228,6 @@
       </a:lstStyle>
     </a:spDef>
   </a:objectDefaults>
-  <a:extraClrSchemeLst/>
   <a:extLst>
     <a:ext uri="{05A4C25C-085E-4340-85A3-A5531E510DB2}">
       <thm15:themeFamily xmlns:thm15="http://schemas.microsoft.com/office/thememl/2012/main" name="Office Theme" id="{62F939B6-93AF-4DB8-9C6B-D6C7DFDC589F}" vid="{4A3C46E8-61CC-4603-A589-7422A47A8E4A}"/>
@@ -11178,8 +10487,6 @@
       </a:bgFillStyleLst>
     </a:fmtScheme>
   </a:themeElements>
-  <a:objectDefaults/>
-  <a:extraClrSchemeLst/>
   <a:extLst>
     <a:ext uri="{05A4C25C-085E-4340-85A3-A5531E510DB2}">
       <thm15:themeFamily xmlns:thm15="http://schemas.microsoft.com/office/thememl/2012/main" name="Office Theme" id="{62F939B6-93AF-4DB8-9C6B-D6C7DFDC589F}" vid="{4A3C46E8-61CC-4603-A589-7422A47A8E4A}"/>
